--- a/Deliverable8/PCBuilder Web Application Sprint 8.pptx
+++ b/Deliverable8/PCBuilder Web Application Sprint 8.pptx
@@ -10817,8 +10817,8 @@
         </p:nvSpPr>
         <p:spPr>
           <a:xfrm>
-            <a:off x="209524" y="-71497"/>
-            <a:ext cx="2983842" cy="369332"/>
+            <a:off x="209523" y="-71497"/>
+            <a:ext cx="3615596" cy="369332"/>
           </a:xfrm>
           <a:prstGeom prst="rect">
             <a:avLst/>
@@ -10833,7 +10833,7 @@
           <a:p>
             <a:r>
               <a:rPr lang="en-US" dirty="0"/>
-              <a:t>Product Backlog Overview</a:t>
+              <a:t>Product Backlog Overview (Page1/3)</a:t>
             </a:r>
           </a:p>
         </p:txBody>
@@ -12739,7 +12739,7 @@
         <p:spPr>
           <a:xfrm>
             <a:off x="198783" y="0"/>
-            <a:ext cx="3326842" cy="369332"/>
+            <a:ext cx="3808138" cy="369332"/>
           </a:xfrm>
           <a:prstGeom prst="rect">
             <a:avLst/>
@@ -12754,7 +12754,7 @@
           <a:p>
             <a:r>
               <a:rPr lang="en-US" dirty="0"/>
-              <a:t>  Product Backlog Overview</a:t>
+              <a:t>  Product Backlog Overview (Page2/3)</a:t>
             </a:r>
           </a:p>
         </p:txBody>
@@ -14500,8 +14500,8 @@
         </p:nvSpPr>
         <p:spPr>
           <a:xfrm>
-            <a:off x="198783" y="0"/>
-            <a:ext cx="3326842" cy="369332"/>
+            <a:off x="198782" y="0"/>
+            <a:ext cx="3863347" cy="369332"/>
           </a:xfrm>
           <a:prstGeom prst="rect">
             <a:avLst/>
@@ -14516,7 +14516,7 @@
           <a:p>
             <a:r>
               <a:rPr lang="en-US" dirty="0"/>
-              <a:t>  Product Backlog Overview</a:t>
+              <a:t>  Product Backlog Overview (Page3/3)</a:t>
             </a:r>
           </a:p>
         </p:txBody>
@@ -15681,7 +15681,7 @@
           <a:p>
             <a:r>
               <a:rPr lang="en-US" dirty="0"/>
-              <a:t>Sprint 8 Test Case</a:t>
+              <a:t>Sprint 8 Test Cases</a:t>
             </a:r>
           </a:p>
         </p:txBody>

--- a/Deliverable8/PCBuilder Web Application Sprint 8.pptx
+++ b/Deliverable8/PCBuilder Web Application Sprint 8.pptx
@@ -16,8 +16,8 @@
     <p:sldId id="275" r:id="rId7"/>
     <p:sldId id="276" r:id="rId8"/>
     <p:sldId id="277" r:id="rId9"/>
-    <p:sldId id="291" r:id="rId10"/>
-    <p:sldId id="292" r:id="rId11"/>
+    <p:sldId id="292" r:id="rId10"/>
+    <p:sldId id="300" r:id="rId11"/>
     <p:sldId id="298" r:id="rId12"/>
     <p:sldId id="288" r:id="rId13"/>
     <p:sldId id="290" r:id="rId14"/>
@@ -7459,54 +7459,6 @@
           </a:p>
         </p:txBody>
       </p:sp>
-      <p:sp>
-        <p:nvSpPr>
-          <p:cNvPr id="3" name="TextBox 2">
-            <a:extLst>
-              <a:ext uri="{FF2B5EF4-FFF2-40B4-BE49-F238E27FC236}">
-                <a16:creationId xmlns:a16="http://schemas.microsoft.com/office/drawing/2014/main" id="{1FD31EEE-EB5D-4D86-84B6-8B16CA9C99FA}"/>
-              </a:ext>
-            </a:extLst>
-          </p:cNvPr>
-          <p:cNvSpPr txBox="1"/>
-          <p:nvPr/>
-        </p:nvSpPr>
-        <p:spPr>
-          <a:xfrm>
-            <a:off x="514892" y="620610"/>
-            <a:ext cx="5561815" cy="369332"/>
-          </a:xfrm>
-          <a:prstGeom prst="rect">
-            <a:avLst/>
-          </a:prstGeom>
-          <a:noFill/>
-        </p:spPr>
-        <p:txBody>
-          <a:bodyPr wrap="square" rtlCol="0">
-            <a:spAutoFit/>
-          </a:bodyPr>
-          <a:lstStyle/>
-          <a:p>
-            <a:r>
-              <a:rPr lang="en-US" cap="all" dirty="0">
-                <a:solidFill>
-                  <a:schemeClr val="tx2"/>
-                </a:solidFill>
-              </a:rPr>
-              <a:t>What we have </a:t>
-            </a:r>
-            <a:r>
-              <a:rPr lang="en-US" dirty="0">
-                <a:solidFill>
-                  <a:schemeClr val="tx2"/>
-                </a:solidFill>
-              </a:rPr>
-              <a:t>DONE IN SPRINT 8</a:t>
-            </a:r>
-            <a:endParaRPr lang="en-US" dirty="0"/>
-          </a:p>
-        </p:txBody>
-      </p:sp>
       <p:graphicFrame>
         <p:nvGraphicFramePr>
           <p:cNvPr id="18" name="Table 17">
@@ -7522,13 +7474,13 @@
           <p:nvPr>
             <p:extLst>
               <p:ext uri="{D42A27DB-BD31-4B8C-83A1-F6EECF244321}">
-                <p14:modId xmlns:p14="http://schemas.microsoft.com/office/powerpoint/2010/main" val="3591173781"/>
+                <p14:modId xmlns:p14="http://schemas.microsoft.com/office/powerpoint/2010/main" val="4005273726"/>
               </p:ext>
             </p:extLst>
           </p:nvPr>
         </p:nvGraphicFramePr>
         <p:xfrm>
-          <a:off x="447235" y="1415633"/>
+          <a:off x="447235" y="1622582"/>
           <a:ext cx="11293211" cy="3461195"/>
         </p:xfrm>
         <a:graphic>
@@ -8707,7 +8659,7 @@
         </p:nvSpPr>
         <p:spPr>
           <a:xfrm>
-            <a:off x="622169" y="4938179"/>
+            <a:off x="514892" y="5195695"/>
             <a:ext cx="6249971" cy="369332"/>
           </a:xfrm>
           <a:prstGeom prst="rect">
@@ -8728,10 +8680,87 @@
           </a:p>
         </p:txBody>
       </p:sp>
+      <p:sp>
+        <p:nvSpPr>
+          <p:cNvPr id="2" name="TextBox 1">
+            <a:extLst>
+              <a:ext uri="{FF2B5EF4-FFF2-40B4-BE49-F238E27FC236}">
+                <a16:creationId xmlns:a16="http://schemas.microsoft.com/office/drawing/2014/main" id="{E52BCF93-B8AE-47E2-8C4B-F55F8BD51B42}"/>
+              </a:ext>
+            </a:extLst>
+          </p:cNvPr>
+          <p:cNvSpPr txBox="1"/>
+          <p:nvPr/>
+        </p:nvSpPr>
+        <p:spPr>
+          <a:xfrm>
+            <a:off x="514892" y="1136733"/>
+            <a:ext cx="1164101" cy="461665"/>
+          </a:xfrm>
+          <a:prstGeom prst="rect">
+            <a:avLst/>
+          </a:prstGeom>
+          <a:noFill/>
+        </p:spPr>
+        <p:txBody>
+          <a:bodyPr wrap="none" rtlCol="0">
+            <a:spAutoFit/>
+          </a:bodyPr>
+          <a:lstStyle/>
+          <a:p>
+            <a:r>
+              <a:rPr lang="en-US" sz="2400" u="sng" dirty="0"/>
+              <a:t>Sprint 8</a:t>
+            </a:r>
+          </a:p>
+        </p:txBody>
+      </p:sp>
+      <p:sp>
+        <p:nvSpPr>
+          <p:cNvPr id="11" name="TextBox 10">
+            <a:extLst>
+              <a:ext uri="{FF2B5EF4-FFF2-40B4-BE49-F238E27FC236}">
+                <a16:creationId xmlns:a16="http://schemas.microsoft.com/office/drawing/2014/main" id="{8ADACA00-3BE2-4F02-A74E-CAB6939C366F}"/>
+              </a:ext>
+            </a:extLst>
+          </p:cNvPr>
+          <p:cNvSpPr txBox="1"/>
+          <p:nvPr/>
+        </p:nvSpPr>
+        <p:spPr>
+          <a:xfrm>
+            <a:off x="574760" y="591532"/>
+            <a:ext cx="11037457" cy="369332"/>
+          </a:xfrm>
+          <a:prstGeom prst="rect">
+            <a:avLst/>
+          </a:prstGeom>
+          <a:noFill/>
+        </p:spPr>
+        <p:txBody>
+          <a:bodyPr wrap="square" rtlCol="0">
+            <a:spAutoFit/>
+          </a:bodyPr>
+          <a:lstStyle/>
+          <a:p>
+            <a:r>
+              <a:rPr lang="en-US" b="1" dirty="0">
+                <a:solidFill>
+                  <a:schemeClr val="tx1">
+                    <a:lumMod val="85000"/>
+                    <a:lumOff val="15000"/>
+                  </a:schemeClr>
+                </a:solidFill>
+              </a:rPr>
+              <a:t>Comparison: Sprint 7 vs 8                                                                                  Sprint 8</a:t>
+            </a:r>
+          </a:p>
+        </p:txBody>
+      </p:sp>
     </p:spTree>
     <p:extLst>
       <p:ext uri="{BB962C8B-B14F-4D97-AF65-F5344CB8AC3E}">
-        <p14:creationId xmlns:p14="http://schemas.microsoft.com/office/powerpoint/2010/main" val="327630197"/>
+        <p14:creationId xmlns:p14="http://schemas.microsoft.com/office/powerpoint/2010/main" val="555961916"/>
       </p:ext>
     </p:extLst>
   </p:cSld>
@@ -10818,7 +10847,7 @@
         <p:spPr>
           <a:xfrm>
             <a:off x="209523" y="-71497"/>
-            <a:ext cx="3615596" cy="369332"/>
+            <a:ext cx="3615595" cy="369332"/>
           </a:xfrm>
           <a:prstGeom prst="rect">
             <a:avLst/>
@@ -12738,8 +12767,8 @@
         </p:nvSpPr>
         <p:spPr>
           <a:xfrm>
-            <a:off x="198783" y="0"/>
-            <a:ext cx="3808138" cy="369332"/>
+            <a:off x="198782" y="0"/>
+            <a:ext cx="3715671" cy="369332"/>
           </a:xfrm>
           <a:prstGeom prst="rect">
             <a:avLst/>
@@ -14501,7 +14530,7 @@
         <p:spPr>
           <a:xfrm>
             <a:off x="198782" y="0"/>
-            <a:ext cx="3863347" cy="369332"/>
+            <a:ext cx="3767043" cy="369332"/>
           </a:xfrm>
           <a:prstGeom prst="rect">
             <a:avLst/>
@@ -15779,8 +15808,37 @@
           <a:bodyPr rtlCol="0" anchor="ctr"/>
           <a:lstStyle/>
           <a:p>
-            <a:pPr algn="ctr"/>
-            <a:endParaRPr lang="en-US"/>
+            <a:pPr marL="0" marR="0" lvl="0" indent="0" algn="ctr" defTabSz="914400" rtl="0" eaLnBrk="1" fontAlgn="auto" latinLnBrk="0" hangingPunct="1">
+              <a:lnSpc>
+                <a:spcPct val="100000"/>
+              </a:lnSpc>
+              <a:spcBef>
+                <a:spcPts val="0"/>
+              </a:spcBef>
+              <a:spcAft>
+                <a:spcPts val="0"/>
+              </a:spcAft>
+              <a:buClrTx/>
+              <a:buSzTx/>
+              <a:buFontTx/>
+              <a:buNone/>
+              <a:tabLst/>
+              <a:defRPr/>
+            </a:pPr>
+            <a:endParaRPr kumimoji="0" lang="en-US" sz="1800" b="0" i="0" u="none" strike="noStrike" kern="1200" cap="none" spc="0" normalizeH="0" baseline="0" noProof="0">
+              <a:ln>
+                <a:noFill/>
+              </a:ln>
+              <a:solidFill>
+                <a:srgbClr val="FFFFFF"/>
+              </a:solidFill>
+              <a:effectLst/>
+              <a:uLnTx/>
+              <a:uFillTx/>
+              <a:latin typeface="Gill Sans MT" panose="020B0502020104020203"/>
+              <a:ea typeface="+mn-ea"/>
+              <a:cs typeface="+mn-cs"/>
+            </a:endParaRPr>
           </a:p>
         </p:txBody>
       </p:sp>
@@ -16101,8 +16159,37 @@
           <a:bodyPr rtlCol="0" anchor="ctr"/>
           <a:lstStyle/>
           <a:p>
-            <a:pPr algn="ctr"/>
-            <a:endParaRPr lang="en-US"/>
+            <a:pPr marL="0" marR="0" lvl="0" indent="0" algn="ctr" defTabSz="914400" rtl="0" eaLnBrk="1" fontAlgn="auto" latinLnBrk="0" hangingPunct="1">
+              <a:lnSpc>
+                <a:spcPct val="100000"/>
+              </a:lnSpc>
+              <a:spcBef>
+                <a:spcPts val="0"/>
+              </a:spcBef>
+              <a:spcAft>
+                <a:spcPts val="0"/>
+              </a:spcAft>
+              <a:buClrTx/>
+              <a:buSzTx/>
+              <a:buFontTx/>
+              <a:buNone/>
+              <a:tabLst/>
+              <a:defRPr/>
+            </a:pPr>
+            <a:endParaRPr kumimoji="0" lang="en-US" sz="1800" b="0" i="0" u="none" strike="noStrike" kern="1200" cap="none" spc="0" normalizeH="0" baseline="0" noProof="0">
+              <a:ln>
+                <a:noFill/>
+              </a:ln>
+              <a:solidFill>
+                <a:srgbClr val="FFFFFF"/>
+              </a:solidFill>
+              <a:effectLst/>
+              <a:uLnTx/>
+              <a:uFillTx/>
+              <a:latin typeface="Gill Sans MT" panose="020B0502020104020203"/>
+              <a:ea typeface="+mn-ea"/>
+              <a:cs typeface="+mn-cs"/>
+            </a:endParaRPr>
           </a:p>
         </p:txBody>
       </p:sp>
@@ -16135,7 +16222,7 @@
         <p:spPr>
           <a:xfrm>
             <a:off x="4411999" y="860249"/>
-            <a:ext cx="3356919" cy="2365102"/>
+            <a:ext cx="3205899" cy="2244354"/>
           </a:xfrm>
           <a:prstGeom prst="rect">
             <a:avLst/>
@@ -16204,8 +16291,37 @@
           <a:bodyPr rtlCol="0" anchor="ctr"/>
           <a:lstStyle/>
           <a:p>
-            <a:pPr algn="ctr"/>
-            <a:endParaRPr lang="en-US"/>
+            <a:pPr marL="0" marR="0" lvl="0" indent="0" algn="ctr" defTabSz="914400" rtl="0" eaLnBrk="1" fontAlgn="auto" latinLnBrk="0" hangingPunct="1">
+              <a:lnSpc>
+                <a:spcPct val="100000"/>
+              </a:lnSpc>
+              <a:spcBef>
+                <a:spcPts val="0"/>
+              </a:spcBef>
+              <a:spcAft>
+                <a:spcPts val="0"/>
+              </a:spcAft>
+              <a:buClrTx/>
+              <a:buSzTx/>
+              <a:buFontTx/>
+              <a:buNone/>
+              <a:tabLst/>
+              <a:defRPr/>
+            </a:pPr>
+            <a:endParaRPr kumimoji="0" lang="en-US" sz="1800" b="0" i="0" u="none" strike="noStrike" kern="1200" cap="none" spc="0" normalizeH="0" baseline="0" noProof="0">
+              <a:ln>
+                <a:noFill/>
+              </a:ln>
+              <a:solidFill>
+                <a:srgbClr val="FFFFFF"/>
+              </a:solidFill>
+              <a:effectLst/>
+              <a:uLnTx/>
+              <a:uFillTx/>
+              <a:latin typeface="Gill Sans MT" panose="020B0502020104020203"/>
+              <a:ea typeface="+mn-ea"/>
+              <a:cs typeface="+mn-cs"/>
+            </a:endParaRPr>
           </a:p>
         </p:txBody>
       </p:sp>
@@ -16307,8 +16423,37 @@
           <a:bodyPr rtlCol="0" anchor="ctr"/>
           <a:lstStyle/>
           <a:p>
-            <a:pPr algn="ctr"/>
-            <a:endParaRPr lang="en-US"/>
+            <a:pPr marL="0" marR="0" lvl="0" indent="0" algn="ctr" defTabSz="914400" rtl="0" eaLnBrk="1" fontAlgn="auto" latinLnBrk="0" hangingPunct="1">
+              <a:lnSpc>
+                <a:spcPct val="100000"/>
+              </a:lnSpc>
+              <a:spcBef>
+                <a:spcPts val="0"/>
+              </a:spcBef>
+              <a:spcAft>
+                <a:spcPts val="0"/>
+              </a:spcAft>
+              <a:buClrTx/>
+              <a:buSzTx/>
+              <a:buFontTx/>
+              <a:buNone/>
+              <a:tabLst/>
+              <a:defRPr/>
+            </a:pPr>
+            <a:endParaRPr kumimoji="0" lang="en-US" sz="1800" b="0" i="0" u="none" strike="noStrike" kern="1200" cap="none" spc="0" normalizeH="0" baseline="0" noProof="0">
+              <a:ln>
+                <a:noFill/>
+              </a:ln>
+              <a:solidFill>
+                <a:srgbClr val="FFFFFF"/>
+              </a:solidFill>
+              <a:effectLst/>
+              <a:uLnTx/>
+              <a:uFillTx/>
+              <a:latin typeface="Gill Sans MT" panose="020B0502020104020203"/>
+              <a:ea typeface="+mn-ea"/>
+              <a:cs typeface="+mn-cs"/>
+            </a:endParaRPr>
           </a:p>
         </p:txBody>
       </p:sp>
@@ -16410,8 +16555,37 @@
           <a:bodyPr rtlCol="0" anchor="ctr"/>
           <a:lstStyle/>
           <a:p>
-            <a:pPr algn="ctr"/>
-            <a:endParaRPr lang="en-US"/>
+            <a:pPr marL="0" marR="0" lvl="0" indent="0" algn="ctr" defTabSz="914400" rtl="0" eaLnBrk="1" fontAlgn="auto" latinLnBrk="0" hangingPunct="1">
+              <a:lnSpc>
+                <a:spcPct val="100000"/>
+              </a:lnSpc>
+              <a:spcBef>
+                <a:spcPts val="0"/>
+              </a:spcBef>
+              <a:spcAft>
+                <a:spcPts val="0"/>
+              </a:spcAft>
+              <a:buClrTx/>
+              <a:buSzTx/>
+              <a:buFontTx/>
+              <a:buNone/>
+              <a:tabLst/>
+              <a:defRPr/>
+            </a:pPr>
+            <a:endParaRPr kumimoji="0" lang="en-US" sz="1800" b="0" i="0" u="none" strike="noStrike" kern="1200" cap="none" spc="0" normalizeH="0" baseline="0" noProof="0">
+              <a:ln>
+                <a:noFill/>
+              </a:ln>
+              <a:solidFill>
+                <a:srgbClr val="FFFFFF"/>
+              </a:solidFill>
+              <a:effectLst/>
+              <a:uLnTx/>
+              <a:uFillTx/>
+              <a:latin typeface="Gill Sans MT" panose="020B0502020104020203"/>
+              <a:ea typeface="+mn-ea"/>
+              <a:cs typeface="+mn-cs"/>
+            </a:endParaRPr>
           </a:p>
         </p:txBody>
       </p:sp>
@@ -16451,6 +16625,71 @@
           </a:prstGeom>
         </p:spPr>
       </p:pic>
+      <p:sp>
+        <p:nvSpPr>
+          <p:cNvPr id="3" name="TextBox 2">
+            <a:extLst>
+              <a:ext uri="{FF2B5EF4-FFF2-40B4-BE49-F238E27FC236}">
+                <a16:creationId xmlns:a16="http://schemas.microsoft.com/office/drawing/2014/main" id="{F7D97BA5-96E6-4A4C-BE2F-8AD5E00B4ABB}"/>
+              </a:ext>
+            </a:extLst>
+          </p:cNvPr>
+          <p:cNvSpPr txBox="1"/>
+          <p:nvPr/>
+        </p:nvSpPr>
+        <p:spPr>
+          <a:xfrm>
+            <a:off x="5597236" y="2881786"/>
+            <a:ext cx="1773382" cy="461665"/>
+          </a:xfrm>
+          <a:prstGeom prst="rect">
+            <a:avLst/>
+          </a:prstGeom>
+          <a:noFill/>
+        </p:spPr>
+        <p:txBody>
+          <a:bodyPr wrap="square" rtlCol="0">
+            <a:spAutoFit/>
+          </a:bodyPr>
+          <a:lstStyle/>
+          <a:p>
+            <a:pPr marL="0" marR="0" lvl="0" indent="0" algn="l" defTabSz="914400" rtl="0" eaLnBrk="1" fontAlgn="auto" latinLnBrk="0" hangingPunct="1">
+              <a:lnSpc>
+                <a:spcPct val="100000"/>
+              </a:lnSpc>
+              <a:spcBef>
+                <a:spcPts val="0"/>
+              </a:spcBef>
+              <a:spcAft>
+                <a:spcPts val="0"/>
+              </a:spcAft>
+              <a:buClrTx/>
+              <a:buSzTx/>
+              <a:buFontTx/>
+              <a:buNone/>
+              <a:tabLst/>
+              <a:defRPr/>
+            </a:pPr>
+            <a:r>
+              <a:rPr kumimoji="0" lang="en-US" sz="2400" b="0" i="0" u="none" strike="noStrike" kern="1200" cap="none" spc="0" normalizeH="0" baseline="0" noProof="0" dirty="0">
+                <a:ln>
+                  <a:noFill/>
+                </a:ln>
+                <a:solidFill>
+                  <a:srgbClr val="000000"/>
+                </a:solidFill>
+                <a:effectLst/>
+                <a:uLnTx/>
+                <a:uFillTx/>
+                <a:latin typeface="Gill Sans MT" panose="020B0502020104020203"/>
+                <a:ea typeface="+mn-ea"/>
+                <a:cs typeface="+mn-cs"/>
+              </a:rPr>
+              <a:t>React</a:t>
+            </a:r>
+          </a:p>
+        </p:txBody>
+      </p:sp>
     </p:spTree>
     <p:extLst>
       <p:ext uri="{BB962C8B-B14F-4D97-AF65-F5344CB8AC3E}">
@@ -16925,7 +17164,7 @@
           <p:nvPr>
             <p:extLst>
               <p:ext uri="{D42A27DB-BD31-4B8C-83A1-F6EECF244321}">
-                <p14:modId xmlns:p14="http://schemas.microsoft.com/office/powerpoint/2010/main" val="958676320"/>
+                <p14:modId xmlns:p14="http://schemas.microsoft.com/office/powerpoint/2010/main" val="322543918"/>
               </p:ext>
             </p:extLst>
           </p:nvPr>
@@ -16957,8 +17196,13 @@
                     <a:p>
                       <a:r>
                         <a:rPr lang="en-US" dirty="0"/>
-                        <a:t>Overall, the team had good communication and participation. However, we did poorly on time management so some of the functions were not completed.</a:t>
-                      </a:r>
+                        <a:t>Overall, the team had good communication and participation. However, we did poorly on time management so some of the functions were not completed. (we complete 23 story out of 28.  82% commitment is </a:t>
+                      </a:r>
+                      <a:r>
+                        <a:rPr lang="en-US"/>
+                        <a:t>done overall)</a:t>
+                      </a:r>
+                      <a:endParaRPr lang="en-US" dirty="0"/>
                     </a:p>
                   </a:txBody>
                   <a:tcPr>
@@ -21024,7 +21268,7 @@
           <a:lstStyle/>
           <a:p>
             <a:r>
-              <a:rPr lang="en-US" sz="6000" dirty="0"/>
+              <a:rPr lang="en-US" sz="4400" dirty="0"/>
               <a:t>MVP</a:t>
             </a:r>
           </a:p>
@@ -21320,174 +21564,12 @@
           <a:chExt cx="0" cy="0"/>
         </a:xfrm>
       </p:grpSpPr>
-      <p:sp>
+      <p:sp useBgFill="1">
         <p:nvSpPr>
-          <p:cNvPr id="27" name="Rectangle 26">
+          <p:cNvPr id="24" name="Rectangle 23">
             <a:extLst>
               <a:ext uri="{FF2B5EF4-FFF2-40B4-BE49-F238E27FC236}">
-                <a16:creationId xmlns:a16="http://schemas.microsoft.com/office/drawing/2014/main" id="{DCF4EB5C-ED25-4675-8255-2F5B12CFFCF0}"/>
-              </a:ext>
-              <a:ext uri="{C183D7F6-B498-43B3-948B-1728B52AA6E4}">
-                <adec:decorative xmlns:adec="http://schemas.microsoft.com/office/drawing/2017/decorative" val="1"/>
-              </a:ext>
-            </a:extLst>
-          </p:cNvPr>
-          <p:cNvSpPr>
-            <a:spLocks noGrp="1" noRot="1" noChangeAspect="1" noMove="1" noResize="1" noEditPoints="1" noAdjustHandles="1" noChangeArrowheads="1" noChangeShapeType="1" noTextEdit="1"/>
-          </p:cNvSpPr>
-          <p:nvPr>
-            <p:extLst>
-              <p:ext uri="{386F3935-93C4-4BCD-93E2-E3B085C9AB24}">
-                <p16:designElem xmlns:p16="http://schemas.microsoft.com/office/powerpoint/2015/main" val="1"/>
-              </p:ext>
-            </p:extLst>
-          </p:nvPr>
-        </p:nvSpPr>
-        <p:spPr>
-          <a:xfrm>
-            <a:off x="446534" y="457200"/>
-            <a:ext cx="3703320" cy="94997"/>
-          </a:xfrm>
-          <a:prstGeom prst="rect">
-            <a:avLst/>
-          </a:prstGeom>
-          <a:solidFill>
-            <a:srgbClr val="465359"/>
-          </a:solidFill>
-          <a:ln>
-            <a:noFill/>
-          </a:ln>
-          <a:effectLst/>
-        </p:spPr>
-        <p:style>
-          <a:lnRef idx="1">
-            <a:schemeClr val="accent1"/>
-          </a:lnRef>
-          <a:fillRef idx="3">
-            <a:schemeClr val="accent1"/>
-          </a:fillRef>
-          <a:effectRef idx="2">
-            <a:schemeClr val="accent1"/>
-          </a:effectRef>
-          <a:fontRef idx="minor">
-            <a:schemeClr val="lt1"/>
-          </a:fontRef>
-        </p:style>
-      </p:sp>
-      <p:sp>
-        <p:nvSpPr>
-          <p:cNvPr id="29" name="Rectangle 28">
-            <a:extLst>
-              <a:ext uri="{FF2B5EF4-FFF2-40B4-BE49-F238E27FC236}">
-                <a16:creationId xmlns:a16="http://schemas.microsoft.com/office/drawing/2014/main" id="{9514EC6E-A557-42A2-BCDC-3ABFFC5E564D}"/>
-              </a:ext>
-              <a:ext uri="{C183D7F6-B498-43B3-948B-1728B52AA6E4}">
-                <adec:decorative xmlns:adec="http://schemas.microsoft.com/office/drawing/2017/decorative" val="1"/>
-              </a:ext>
-            </a:extLst>
-          </p:cNvPr>
-          <p:cNvSpPr>
-            <a:spLocks noGrp="1" noRot="1" noChangeAspect="1" noMove="1" noResize="1" noEditPoints="1" noAdjustHandles="1" noChangeArrowheads="1" noChangeShapeType="1" noTextEdit="1"/>
-          </p:cNvSpPr>
-          <p:nvPr>
-            <p:extLst>
-              <p:ext uri="{386F3935-93C4-4BCD-93E2-E3B085C9AB24}">
-                <p16:designElem xmlns:p16="http://schemas.microsoft.com/office/powerpoint/2015/main" val="1"/>
-              </p:ext>
-            </p:extLst>
-          </p:nvPr>
-        </p:nvSpPr>
-        <p:spPr>
-          <a:xfrm>
-            <a:off x="8042147" y="453643"/>
-            <a:ext cx="3703320" cy="98554"/>
-          </a:xfrm>
-          <a:prstGeom prst="rect">
-            <a:avLst/>
-          </a:prstGeom>
-          <a:solidFill>
-            <a:srgbClr val="969FA7"/>
-          </a:solidFill>
-          <a:ln>
-            <a:noFill/>
-          </a:ln>
-          <a:effectLst/>
-        </p:spPr>
-        <p:style>
-          <a:lnRef idx="1">
-            <a:schemeClr val="accent1"/>
-          </a:lnRef>
-          <a:fillRef idx="3">
-            <a:schemeClr val="accent1"/>
-          </a:fillRef>
-          <a:effectRef idx="2">
-            <a:schemeClr val="accent1"/>
-          </a:effectRef>
-          <a:fontRef idx="minor">
-            <a:schemeClr val="lt1"/>
-          </a:fontRef>
-        </p:style>
-      </p:sp>
-      <p:sp>
-        <p:nvSpPr>
-          <p:cNvPr id="31" name="Rectangle 30">
-            <a:extLst>
-              <a:ext uri="{FF2B5EF4-FFF2-40B4-BE49-F238E27FC236}">
-                <a16:creationId xmlns:a16="http://schemas.microsoft.com/office/drawing/2014/main" id="{905482C9-EB42-4BFE-95BF-7FD661F07657}"/>
-              </a:ext>
-              <a:ext uri="{C183D7F6-B498-43B3-948B-1728B52AA6E4}">
-                <adec:decorative xmlns:adec="http://schemas.microsoft.com/office/drawing/2017/decorative" val="1"/>
-              </a:ext>
-            </a:extLst>
-          </p:cNvPr>
-          <p:cNvSpPr>
-            <a:spLocks noGrp="1" noRot="1" noChangeAspect="1" noMove="1" noResize="1" noEditPoints="1" noAdjustHandles="1" noChangeArrowheads="1" noChangeShapeType="1" noTextEdit="1"/>
-          </p:cNvSpPr>
-          <p:nvPr>
-            <p:extLst>
-              <p:ext uri="{386F3935-93C4-4BCD-93E2-E3B085C9AB24}">
-                <p16:designElem xmlns:p16="http://schemas.microsoft.com/office/powerpoint/2015/main" val="1"/>
-              </p:ext>
-            </p:extLst>
-          </p:nvPr>
-        </p:nvSpPr>
-        <p:spPr>
-          <a:xfrm>
-            <a:off x="4241830" y="457200"/>
-            <a:ext cx="3703320" cy="91440"/>
-          </a:xfrm>
-          <a:prstGeom prst="rect">
-            <a:avLst/>
-          </a:prstGeom>
-          <a:solidFill>
-            <a:schemeClr val="accent1"/>
-          </a:solidFill>
-          <a:ln>
-            <a:noFill/>
-          </a:ln>
-          <a:effectLst/>
-        </p:spPr>
-        <p:style>
-          <a:lnRef idx="1">
-            <a:schemeClr val="accent1"/>
-          </a:lnRef>
-          <a:fillRef idx="3">
-            <a:schemeClr val="accent1"/>
-          </a:fillRef>
-          <a:effectRef idx="2">
-            <a:schemeClr val="accent1"/>
-          </a:effectRef>
-          <a:fontRef idx="minor">
-            <a:schemeClr val="lt1"/>
-          </a:fontRef>
-        </p:style>
-      </p:sp>
-      <p:sp useBgFill="1">
-        <p:nvSpPr>
-          <p:cNvPr id="33" name="Rectangle 32">
-            <a:extLst>
-              <a:ext uri="{FF2B5EF4-FFF2-40B4-BE49-F238E27FC236}">
-                <a16:creationId xmlns:a16="http://schemas.microsoft.com/office/drawing/2014/main" id="{F858DF7D-C2D0-4B03-A7A0-2F06B789EE35}"/>
+                <a16:creationId xmlns:a16="http://schemas.microsoft.com/office/drawing/2014/main" id="{9DD60C94-0C9C-47B7-BE88-045235ACCC6A}"/>
               </a:ext>
               <a:ext uri="{C183D7F6-B498-43B3-948B-1728B52AA6E4}">
                 <adec:decorative xmlns:adec="http://schemas.microsoft.com/office/drawing/2017/decorative" val="1"/>
@@ -21508,7 +21590,7 @@
         <p:spPr>
           <a:xfrm>
             <a:off x="0" y="0"/>
-            <a:ext cx="12191999" cy="6858001"/>
+            <a:ext cx="12192000" cy="6858000"/>
           </a:xfrm>
           <a:prstGeom prst="rect">
             <a:avLst/>
@@ -21544,10 +21626,10 @@
       </p:sp>
       <p:sp>
         <p:nvSpPr>
-          <p:cNvPr id="35" name="Rectangle 34">
+          <p:cNvPr id="26" name="Rectangle 25">
             <a:extLst>
               <a:ext uri="{FF2B5EF4-FFF2-40B4-BE49-F238E27FC236}">
-                <a16:creationId xmlns:a16="http://schemas.microsoft.com/office/drawing/2014/main" id="{1B26B711-3121-40B0-8377-A64F3DC00C7A}"/>
+                <a16:creationId xmlns:a16="http://schemas.microsoft.com/office/drawing/2014/main" id="{BFCF7016-AC99-433F-B943-24C3736E0602}"/>
               </a:ext>
               <a:ext uri="{C183D7F6-B498-43B3-948B-1728B52AA6E4}">
                 <adec:decorative xmlns:adec="http://schemas.microsoft.com/office/drawing/2017/decorative" val="1"/>
@@ -21567,8 +21649,116 @@
         </p:nvSpPr>
         <p:spPr>
           <a:xfrm>
-            <a:off x="446534" y="457200"/>
-            <a:ext cx="3703320" cy="94997"/>
+            <a:off x="446533" y="457200"/>
+            <a:ext cx="7579574" cy="643614"/>
+          </a:xfrm>
+          <a:prstGeom prst="rect">
+            <a:avLst/>
+          </a:prstGeom>
+          <a:solidFill>
+            <a:schemeClr val="accent1"/>
+          </a:solidFill>
+          <a:ln>
+            <a:noFill/>
+          </a:ln>
+          <a:effectLst/>
+        </p:spPr>
+        <p:style>
+          <a:lnRef idx="1">
+            <a:schemeClr val="accent1"/>
+          </a:lnRef>
+          <a:fillRef idx="3">
+            <a:schemeClr val="accent1"/>
+          </a:fillRef>
+          <a:effectRef idx="2">
+            <a:schemeClr val="accent1"/>
+          </a:effectRef>
+          <a:fontRef idx="minor">
+            <a:schemeClr val="lt1"/>
+          </a:fontRef>
+        </p:style>
+      </p:sp>
+      <p:sp>
+        <p:nvSpPr>
+          <p:cNvPr id="28" name="Rectangle 27">
+            <a:extLst>
+              <a:ext uri="{FF2B5EF4-FFF2-40B4-BE49-F238E27FC236}">
+                <a16:creationId xmlns:a16="http://schemas.microsoft.com/office/drawing/2014/main" id="{A03737D1-A930-4E3E-9160-3CD4AEC72AB7}"/>
+              </a:ext>
+              <a:ext uri="{C183D7F6-B498-43B3-948B-1728B52AA6E4}">
+                <adec:decorative xmlns:adec="http://schemas.microsoft.com/office/drawing/2017/decorative" val="1"/>
+              </a:ext>
+            </a:extLst>
+          </p:cNvPr>
+          <p:cNvSpPr>
+            <a:spLocks noGrp="1" noRot="1" noChangeAspect="1" noMove="1" noResize="1" noEditPoints="1" noAdjustHandles="1" noChangeArrowheads="1" noChangeShapeType="1" noTextEdit="1"/>
+          </p:cNvSpPr>
+          <p:nvPr>
+            <p:extLst>
+              <p:ext uri="{386F3935-93C4-4BCD-93E2-E3B085C9AB24}">
+                <p16:designElem xmlns:p16="http://schemas.microsoft.com/office/powerpoint/2015/main" val="1"/>
+              </p:ext>
+            </p:extLst>
+          </p:nvPr>
+        </p:nvSpPr>
+        <p:spPr>
+          <a:xfrm>
+            <a:off x="8129871" y="453642"/>
+            <a:ext cx="3615596" cy="645113"/>
+          </a:xfrm>
+          <a:prstGeom prst="rect">
+            <a:avLst/>
+          </a:prstGeom>
+          <a:solidFill>
+            <a:schemeClr val="accent4"/>
+          </a:solidFill>
+          <a:ln>
+            <a:noFill/>
+          </a:ln>
+          <a:effectLst/>
+        </p:spPr>
+        <p:style>
+          <a:lnRef idx="1">
+            <a:schemeClr val="accent1"/>
+          </a:lnRef>
+          <a:fillRef idx="3">
+            <a:schemeClr val="accent1"/>
+          </a:fillRef>
+          <a:effectRef idx="2">
+            <a:schemeClr val="accent1"/>
+          </a:effectRef>
+          <a:fontRef idx="minor">
+            <a:schemeClr val="lt1"/>
+          </a:fontRef>
+        </p:style>
+      </p:sp>
+      <p:sp>
+        <p:nvSpPr>
+          <p:cNvPr id="30" name="Rectangle 29">
+            <a:extLst>
+              <a:ext uri="{FF2B5EF4-FFF2-40B4-BE49-F238E27FC236}">
+                <a16:creationId xmlns:a16="http://schemas.microsoft.com/office/drawing/2014/main" id="{F71CFF33-010E-4E26-A285-83B182982358}"/>
+              </a:ext>
+              <a:ext uri="{C183D7F6-B498-43B3-948B-1728B52AA6E4}">
+                <adec:decorative xmlns:adec="http://schemas.microsoft.com/office/drawing/2017/decorative" val="1"/>
+              </a:ext>
+            </a:extLst>
+          </p:cNvPr>
+          <p:cNvSpPr>
+            <a:spLocks noGrp="1" noRot="1" noChangeAspect="1" noMove="1" noResize="1" noEditPoints="1" noAdjustHandles="1" noChangeArrowheads="1" noChangeShapeType="1" noTextEdit="1"/>
+          </p:cNvSpPr>
+          <p:nvPr>
+            <p:extLst>
+              <p:ext uri="{386F3935-93C4-4BCD-93E2-E3B085C9AB24}">
+                <p16:designElem xmlns:p16="http://schemas.microsoft.com/office/powerpoint/2015/main" val="1"/>
+              </p:ext>
+            </p:extLst>
+          </p:nvPr>
+        </p:nvSpPr>
+        <p:spPr>
+          <a:xfrm>
+            <a:off x="446533" y="5707627"/>
+            <a:ext cx="11293913" cy="649224"/>
           </a:xfrm>
           <a:prstGeom prst="rect">
             <a:avLst/>
@@ -21598,214 +21788,10 @@
       </p:sp>
       <p:sp>
         <p:nvSpPr>
-          <p:cNvPr id="37" name="Rectangle 36">
-            <a:extLst>
-              <a:ext uri="{FF2B5EF4-FFF2-40B4-BE49-F238E27FC236}">
-                <a16:creationId xmlns:a16="http://schemas.microsoft.com/office/drawing/2014/main" id="{645C4D3D-ABBA-4B4E-93E5-01E343719849}"/>
-              </a:ext>
-              <a:ext uri="{C183D7F6-B498-43B3-948B-1728B52AA6E4}">
-                <adec:decorative xmlns:adec="http://schemas.microsoft.com/office/drawing/2017/decorative" val="1"/>
-              </a:ext>
-            </a:extLst>
-          </p:cNvPr>
-          <p:cNvSpPr>
-            <a:spLocks noGrp="1" noRot="1" noChangeAspect="1" noMove="1" noResize="1" noEditPoints="1" noAdjustHandles="1" noChangeArrowheads="1" noChangeShapeType="1" noTextEdit="1"/>
-          </p:cNvSpPr>
-          <p:nvPr>
-            <p:extLst>
-              <p:ext uri="{386F3935-93C4-4BCD-93E2-E3B085C9AB24}">
-                <p16:designElem xmlns:p16="http://schemas.microsoft.com/office/powerpoint/2015/main" val="1"/>
-              </p:ext>
-            </p:extLst>
-          </p:nvPr>
-        </p:nvSpPr>
-        <p:spPr>
-          <a:xfrm>
-            <a:off x="4241830" y="457200"/>
-            <a:ext cx="3703320" cy="91440"/>
-          </a:xfrm>
-          <a:prstGeom prst="rect">
-            <a:avLst/>
-          </a:prstGeom>
-          <a:solidFill>
-            <a:schemeClr val="accent1"/>
-          </a:solidFill>
-          <a:ln>
-            <a:noFill/>
-          </a:ln>
-          <a:effectLst/>
-        </p:spPr>
-        <p:style>
-          <a:lnRef idx="1">
-            <a:schemeClr val="accent1"/>
-          </a:lnRef>
-          <a:fillRef idx="3">
-            <a:schemeClr val="accent1"/>
-          </a:fillRef>
-          <a:effectRef idx="2">
-            <a:schemeClr val="accent1"/>
-          </a:effectRef>
-          <a:fontRef idx="minor">
-            <a:schemeClr val="lt1"/>
-          </a:fontRef>
-        </p:style>
-      </p:sp>
-      <p:sp>
-        <p:nvSpPr>
-          <p:cNvPr id="39" name="Rectangle 38">
-            <a:extLst>
-              <a:ext uri="{FF2B5EF4-FFF2-40B4-BE49-F238E27FC236}">
-                <a16:creationId xmlns:a16="http://schemas.microsoft.com/office/drawing/2014/main" id="{98DDD5E5-0097-4C6C-B266-5732EDA96CC4}"/>
-              </a:ext>
-              <a:ext uri="{C183D7F6-B498-43B3-948B-1728B52AA6E4}">
-                <adec:decorative xmlns:adec="http://schemas.microsoft.com/office/drawing/2017/decorative" val="1"/>
-              </a:ext>
-            </a:extLst>
-          </p:cNvPr>
-          <p:cNvSpPr>
-            <a:spLocks noGrp="1" noRot="1" noChangeAspect="1" noMove="1" noResize="1" noEditPoints="1" noAdjustHandles="1" noChangeArrowheads="1" noChangeShapeType="1" noTextEdit="1"/>
-          </p:cNvSpPr>
-          <p:nvPr>
-            <p:extLst>
-              <p:ext uri="{386F3935-93C4-4BCD-93E2-E3B085C9AB24}">
-                <p16:designElem xmlns:p16="http://schemas.microsoft.com/office/powerpoint/2015/main" val="1"/>
-              </p:ext>
-            </p:extLst>
-          </p:nvPr>
-        </p:nvSpPr>
-        <p:spPr>
-          <a:xfrm>
-            <a:off x="8042147" y="453643"/>
-            <a:ext cx="3703320" cy="98554"/>
-          </a:xfrm>
-          <a:prstGeom prst="rect">
-            <a:avLst/>
-          </a:prstGeom>
-          <a:solidFill>
-            <a:srgbClr val="969FA7"/>
-          </a:solidFill>
-          <a:ln>
-            <a:noFill/>
-          </a:ln>
-          <a:effectLst/>
-        </p:spPr>
-        <p:style>
-          <a:lnRef idx="1">
-            <a:schemeClr val="accent1"/>
-          </a:lnRef>
-          <a:fillRef idx="3">
-            <a:schemeClr val="accent1"/>
-          </a:fillRef>
-          <a:effectRef idx="2">
-            <a:schemeClr val="accent1"/>
-          </a:effectRef>
-          <a:fontRef idx="minor">
-            <a:schemeClr val="lt1"/>
-          </a:fontRef>
-        </p:style>
-      </p:sp>
-      <p:sp>
-        <p:nvSpPr>
-          <p:cNvPr id="41" name="Rectangle 40">
-            <a:extLst>
-              <a:ext uri="{FF2B5EF4-FFF2-40B4-BE49-F238E27FC236}">
-                <a16:creationId xmlns:a16="http://schemas.microsoft.com/office/drawing/2014/main" id="{8952EF87-C74F-4D3F-9CAD-EEA1733C9BD0}"/>
-              </a:ext>
-              <a:ext uri="{C183D7F6-B498-43B3-948B-1728B52AA6E4}">
-                <adec:decorative xmlns:adec="http://schemas.microsoft.com/office/drawing/2017/decorative" val="1"/>
-              </a:ext>
-            </a:extLst>
-          </p:cNvPr>
-          <p:cNvSpPr>
-            <a:spLocks noGrp="1" noRot="1" noChangeAspect="1" noMove="1" noResize="1" noEditPoints="1" noAdjustHandles="1" noChangeArrowheads="1" noChangeShapeType="1" noTextEdit="1"/>
-          </p:cNvSpPr>
-          <p:nvPr>
-            <p:extLst>
-              <p:ext uri="{386F3935-93C4-4BCD-93E2-E3B085C9AB24}">
-                <p16:designElem xmlns:p16="http://schemas.microsoft.com/office/powerpoint/2015/main" val="1"/>
-              </p:ext>
-            </p:extLst>
-          </p:nvPr>
-        </p:nvSpPr>
-        <p:spPr>
-          <a:xfrm>
-            <a:off x="446534" y="597643"/>
-            <a:ext cx="3703320" cy="5792922"/>
-          </a:xfrm>
-          <a:prstGeom prst="rect">
-            <a:avLst/>
-          </a:prstGeom>
-          <a:solidFill>
-            <a:srgbClr val="465359"/>
-          </a:solidFill>
-          <a:ln>
-            <a:noFill/>
-          </a:ln>
-          <a:effectLst/>
-        </p:spPr>
-        <p:style>
-          <a:lnRef idx="1">
-            <a:schemeClr val="accent1"/>
-          </a:lnRef>
-          <a:fillRef idx="3">
-            <a:schemeClr val="accent1"/>
-          </a:fillRef>
-          <a:effectRef idx="2">
-            <a:schemeClr val="accent1"/>
-          </a:effectRef>
-          <a:fontRef idx="minor">
-            <a:schemeClr val="lt1"/>
-          </a:fontRef>
-        </p:style>
-      </p:sp>
-      <p:sp>
-        <p:nvSpPr>
-          <p:cNvPr id="2" name="Title 1">
-            <a:extLst>
-              <a:ext uri="{FF2B5EF4-FFF2-40B4-BE49-F238E27FC236}">
-                <a16:creationId xmlns:a16="http://schemas.microsoft.com/office/drawing/2014/main" id="{329B9156-4309-4D24-931C-0916486D0EDC}"/>
-              </a:ext>
-            </a:extLst>
-          </p:cNvPr>
-          <p:cNvSpPr>
-            <a:spLocks noGrp="1"/>
-          </p:cNvSpPr>
-          <p:nvPr>
-            <p:ph type="ctrTitle"/>
-          </p:nvPr>
-        </p:nvSpPr>
-        <p:spPr>
-          <a:xfrm>
-            <a:off x="771148" y="1037967"/>
-            <a:ext cx="3054091" cy="4709131"/>
-          </a:xfrm>
-        </p:spPr>
-        <p:txBody>
-          <a:bodyPr vert="horz" lIns="91440" tIns="45720" rIns="91440" bIns="45720" rtlCol="0" anchor="ctr">
-            <a:normAutofit/>
-          </a:bodyPr>
-          <a:lstStyle/>
-          <a:p>
-            <a:r>
-              <a:rPr lang="en-US" sz="2800" b="0" kern="1200" cap="all" dirty="0">
-                <a:solidFill>
-                  <a:srgbClr val="FFFEFF"/>
-                </a:solidFill>
-                <a:latin typeface="+mj-lt"/>
-                <a:ea typeface="+mj-ea"/>
-                <a:cs typeface="+mj-cs"/>
-              </a:rPr>
-              <a:t>                   Comparison of  sprint 7 vs 8</a:t>
-            </a:r>
-          </a:p>
-        </p:txBody>
-      </p:sp>
-      <p:sp>
-        <p:nvSpPr>
           <p:cNvPr id="4" name="TextBox 3">
             <a:extLst>
               <a:ext uri="{FF2B5EF4-FFF2-40B4-BE49-F238E27FC236}">
-                <a16:creationId xmlns:a16="http://schemas.microsoft.com/office/drawing/2014/main" id="{B3F7B8C6-AAFC-4AF5-B492-961A9FE455C3}"/>
+                <a16:creationId xmlns:a16="http://schemas.microsoft.com/office/drawing/2014/main" id="{EB55A581-DB39-4E55-ACB0-228C6241E6EE}"/>
               </a:ext>
             </a:extLst>
           </p:cNvPr>
@@ -21814,8 +21800,58 @@
         </p:nvSpPr>
         <p:spPr>
           <a:xfrm>
-            <a:off x="4477732" y="1423447"/>
-            <a:ext cx="6834433" cy="3754874"/>
+            <a:off x="5117586" y="1124998"/>
+            <a:ext cx="6143248" cy="4608003"/>
+          </a:xfrm>
+          <a:prstGeom prst="rect">
+            <a:avLst/>
+          </a:prstGeom>
+        </p:spPr>
+        <p:txBody>
+          <a:bodyPr vert="horz" lIns="91440" tIns="45720" rIns="91440" bIns="45720" rtlCol="0" anchor="ctr">
+            <a:normAutofit/>
+          </a:bodyPr>
+          <a:lstStyle/>
+          <a:p>
+            <a:pPr defTabSz="457200">
+              <a:spcBef>
+                <a:spcPct val="20000"/>
+              </a:spcBef>
+              <a:spcAft>
+                <a:spcPts val="600"/>
+              </a:spcAft>
+              <a:buClr>
+                <a:schemeClr val="accent1"/>
+              </a:buClr>
+              <a:buSzPct val="92000"/>
+            </a:pPr>
+            <a:endParaRPr lang="en-US" sz="2000" dirty="0">
+              <a:solidFill>
+                <a:schemeClr val="tx1">
+                  <a:lumMod val="75000"/>
+                  <a:lumOff val="25000"/>
+                </a:schemeClr>
+              </a:solidFill>
+            </a:endParaRPr>
+          </a:p>
+        </p:txBody>
+      </p:sp>
+      <p:sp>
+        <p:nvSpPr>
+          <p:cNvPr id="3" name="TextBox 2">
+            <a:extLst>
+              <a:ext uri="{FF2B5EF4-FFF2-40B4-BE49-F238E27FC236}">
+                <a16:creationId xmlns:a16="http://schemas.microsoft.com/office/drawing/2014/main" id="{1FD31EEE-EB5D-4D86-84B6-8B16CA9C99FA}"/>
+              </a:ext>
+            </a:extLst>
+          </p:cNvPr>
+          <p:cNvSpPr txBox="1"/>
+          <p:nvPr/>
+        </p:nvSpPr>
+        <p:spPr>
+          <a:xfrm>
+            <a:off x="574760" y="591532"/>
+            <a:ext cx="11037457" cy="369332"/>
           </a:xfrm>
           <a:prstGeom prst="rect">
             <a:avLst/>
@@ -21828,92 +21864,181 @@
           </a:bodyPr>
           <a:lstStyle/>
           <a:p>
-            <a:pPr>
-              <a:spcAft>
-                <a:spcPts val="600"/>
-              </a:spcAft>
-            </a:pPr>
             <a:r>
-              <a:rPr lang="en-US" dirty="0"/>
-              <a:t>SPRINT 7</a:t>
+              <a:rPr lang="en-US" b="1" dirty="0">
+                <a:solidFill>
+                  <a:schemeClr val="tx1">
+                    <a:lumMod val="85000"/>
+                    <a:lumOff val="15000"/>
+                  </a:schemeClr>
+                </a:solidFill>
+              </a:rPr>
+              <a:t>Comparison: Sprint 7 vs 8                                                                                  Sprint 7</a:t>
+            </a:r>
+          </a:p>
+        </p:txBody>
+      </p:sp>
+      <p:sp>
+        <p:nvSpPr>
+          <p:cNvPr id="9" name="Rectangle 8">
+            <a:extLst>
+              <a:ext uri="{FF2B5EF4-FFF2-40B4-BE49-F238E27FC236}">
+                <a16:creationId xmlns:a16="http://schemas.microsoft.com/office/drawing/2014/main" id="{9A541642-3A5F-4BDC-8353-A8F2D453EC77}"/>
+              </a:ext>
+            </a:extLst>
+          </p:cNvPr>
+          <p:cNvSpPr/>
+          <p:nvPr/>
+        </p:nvSpPr>
+        <p:spPr>
+          <a:xfrm>
+            <a:off x="449102" y="1552397"/>
+            <a:ext cx="11293913" cy="3531380"/>
+          </a:xfrm>
+          <a:prstGeom prst="rect">
+            <a:avLst/>
+          </a:prstGeom>
+          <a:solidFill>
+            <a:schemeClr val="bg1">
+              <a:lumMod val="85000"/>
+            </a:schemeClr>
+          </a:solidFill>
+          <a:ln>
+            <a:solidFill>
+              <a:schemeClr val="bg1"/>
+            </a:solidFill>
+          </a:ln>
+        </p:spPr>
+        <p:style>
+          <a:lnRef idx="2">
+            <a:schemeClr val="accent1">
+              <a:shade val="50000"/>
+            </a:schemeClr>
+          </a:lnRef>
+          <a:fillRef idx="1">
+            <a:schemeClr val="accent1"/>
+          </a:fillRef>
+          <a:effectRef idx="0">
+            <a:schemeClr val="accent1"/>
+          </a:effectRef>
+          <a:fontRef idx="minor">
+            <a:schemeClr val="lt1"/>
+          </a:fontRef>
+        </p:style>
+        <p:txBody>
+          <a:bodyPr rtlCol="0" anchor="ctr"/>
+          <a:lstStyle/>
+          <a:p>
+            <a:pPr algn="ctr"/>
+            <a:endParaRPr lang="en-US" dirty="0"/>
+          </a:p>
+        </p:txBody>
+      </p:sp>
+      <p:sp>
+        <p:nvSpPr>
+          <p:cNvPr id="15" name="TextBox 14">
+            <a:extLst>
+              <a:ext uri="{FF2B5EF4-FFF2-40B4-BE49-F238E27FC236}">
+                <a16:creationId xmlns:a16="http://schemas.microsoft.com/office/drawing/2014/main" id="{36C1CCC5-60F9-4387-8D4C-6684DDD0B9D3}"/>
+              </a:ext>
+            </a:extLst>
+          </p:cNvPr>
+          <p:cNvSpPr txBox="1"/>
+          <p:nvPr/>
+        </p:nvSpPr>
+        <p:spPr>
+          <a:xfrm>
+            <a:off x="829638" y="1967092"/>
+            <a:ext cx="6097712" cy="2677656"/>
+          </a:xfrm>
+          <a:prstGeom prst="rect">
+            <a:avLst/>
+          </a:prstGeom>
+          <a:noFill/>
+        </p:spPr>
+        <p:txBody>
+          <a:bodyPr wrap="square">
+            <a:spAutoFit/>
+          </a:bodyPr>
+          <a:lstStyle/>
+          <a:p>
+            <a:r>
+              <a:rPr lang="en-US" sz="2400" u="sng" cap="none" dirty="0">
+                <a:solidFill>
+                  <a:schemeClr val="tx1">
+                    <a:lumMod val="85000"/>
+                    <a:lumOff val="15000"/>
+                  </a:schemeClr>
+                </a:solidFill>
+              </a:rPr>
+              <a:t>Sprint 7</a:t>
             </a:r>
           </a:p>
           <a:p>
-            <a:pPr>
-              <a:spcAft>
-                <a:spcPts val="600"/>
-              </a:spcAft>
-            </a:pPr>
-            <a:endParaRPr lang="en-US" dirty="0"/>
-          </a:p>
-          <a:p>
-            <a:pPr>
-              <a:spcAft>
-                <a:spcPts val="600"/>
-              </a:spcAft>
+            <a:pPr marL="285750" indent="-285750">
+              <a:buFont typeface="Arial" panose="020B0604020202020204" pitchFamily="34" charset="0"/>
+              <a:buChar char="•"/>
             </a:pPr>
             <a:r>
-              <a:rPr lang="en-US" dirty="0"/>
-              <a:t>The Database issue remaining from SPRINT 6 forced the team to finish the User Management section in advance</a:t>
+              <a:rPr lang="en-US" sz="1800" cap="none" dirty="0">
+                <a:solidFill>
+                  <a:schemeClr val="tx1">
+                    <a:lumMod val="85000"/>
+                    <a:lumOff val="15000"/>
+                  </a:schemeClr>
+                </a:solidFill>
+              </a:rPr>
+              <a:t>The database issue remaining from sprint 6 forced the team to finish the user management section in advance  </a:t>
             </a:r>
           </a:p>
           <a:p>
-            <a:pPr>
-              <a:spcAft>
-                <a:spcPts val="600"/>
-              </a:spcAft>
+            <a:pPr marL="285750" indent="-285750">
+              <a:buFont typeface="Arial" panose="020B0604020202020204" pitchFamily="34" charset="0"/>
+              <a:buChar char="•"/>
             </a:pPr>
             <a:r>
-              <a:rPr lang="en-US" dirty="0"/>
-              <a:t>  </a:t>
+              <a:rPr lang="en-US" sz="1800" cap="none" dirty="0">
+                <a:solidFill>
+                  <a:schemeClr val="tx1">
+                    <a:lumMod val="85000"/>
+                    <a:lumOff val="15000"/>
+                  </a:schemeClr>
+                </a:solidFill>
+              </a:rPr>
+              <a:t>We completed admin’s user management ability with only the edit user function remaining</a:t>
             </a:r>
           </a:p>
           <a:p>
-            <a:pPr>
-              <a:spcAft>
-                <a:spcPts val="600"/>
-              </a:spcAft>
+            <a:pPr marL="285750" indent="-285750">
+              <a:buFont typeface="Arial" panose="020B0604020202020204" pitchFamily="34" charset="0"/>
+              <a:buChar char="•"/>
             </a:pPr>
             <a:r>
-              <a:rPr lang="en-US" dirty="0"/>
-              <a:t>We completed Admin’s User Management ability with only the edit user function remaining</a:t>
-            </a:r>
-          </a:p>
-          <a:p>
-            <a:pPr>
-              <a:spcAft>
-                <a:spcPts val="600"/>
-              </a:spcAft>
-            </a:pPr>
-            <a:endParaRPr lang="en-US" dirty="0"/>
-          </a:p>
-          <a:p>
-            <a:pPr>
-              <a:spcAft>
-                <a:spcPts val="600"/>
-              </a:spcAft>
-            </a:pPr>
-            <a:r>
-              <a:rPr lang="en-US" dirty="0"/>
+              <a:rPr lang="en-US" sz="1800" cap="none" dirty="0">
+                <a:solidFill>
+                  <a:schemeClr val="tx1">
+                    <a:lumMod val="85000"/>
+                    <a:lumOff val="15000"/>
+                  </a:schemeClr>
+                </a:solidFill>
+              </a:rPr>
               <a:t>Code optimization was done so the deployment process can be easier. </a:t>
             </a:r>
           </a:p>
           <a:p>
-            <a:pPr>
-              <a:spcAft>
-                <a:spcPts val="600"/>
-              </a:spcAft>
-            </a:pPr>
-            <a:endParaRPr lang="en-US" dirty="0"/>
-          </a:p>
-          <a:p>
-            <a:pPr>
-              <a:spcAft>
-                <a:spcPts val="600"/>
-              </a:spcAft>
+            <a:pPr marL="285750" indent="-285750">
+              <a:buFont typeface="Arial" panose="020B0604020202020204" pitchFamily="34" charset="0"/>
+              <a:buChar char="•"/>
             </a:pPr>
             <a:r>
-              <a:rPr lang="en-US" dirty="0"/>
+              <a:rPr lang="en-US" sz="1800" cap="none" dirty="0">
+                <a:solidFill>
+                  <a:schemeClr val="tx1">
+                    <a:lumMod val="85000"/>
+                    <a:lumOff val="15000"/>
+                  </a:schemeClr>
+                </a:solidFill>
+              </a:rPr>
               <a:t>Our team complete 2 user stories out of 3.  ( 66% of the commitment )</a:t>
             </a:r>
           </a:p>
@@ -21922,7 +22047,7 @@
     </p:spTree>
     <p:extLst>
       <p:ext uri="{BB962C8B-B14F-4D97-AF65-F5344CB8AC3E}">
-        <p14:creationId xmlns:p14="http://schemas.microsoft.com/office/powerpoint/2010/main" val="3321596205"/>
+        <p14:creationId xmlns:p14="http://schemas.microsoft.com/office/powerpoint/2010/main" val="327630197"/>
       </p:ext>
     </p:extLst>
   </p:cSld>

--- a/Deliverable8/PCBuilder Web Application Sprint 8.pptx
+++ b/Deliverable8/PCBuilder Web Application Sprint 8.pptx
@@ -7459,1262 +7459,6 @@
           </a:p>
         </p:txBody>
       </p:sp>
-      <p:graphicFrame>
-        <p:nvGraphicFramePr>
-          <p:cNvPr id="18" name="Table 17">
-            <a:extLst>
-              <a:ext uri="{FF2B5EF4-FFF2-40B4-BE49-F238E27FC236}">
-                <a16:creationId xmlns:a16="http://schemas.microsoft.com/office/drawing/2014/main" id="{3BE9598E-FCC9-4ECD-8ED9-FEE2B0BBF73C}"/>
-              </a:ext>
-            </a:extLst>
-          </p:cNvPr>
-          <p:cNvGraphicFramePr>
-            <a:graphicFrameLocks noGrp="1"/>
-          </p:cNvGraphicFramePr>
-          <p:nvPr>
-            <p:extLst>
-              <p:ext uri="{D42A27DB-BD31-4B8C-83A1-F6EECF244321}">
-                <p14:modId xmlns:p14="http://schemas.microsoft.com/office/powerpoint/2010/main" val="4005273726"/>
-              </p:ext>
-            </p:extLst>
-          </p:nvPr>
-        </p:nvGraphicFramePr>
-        <p:xfrm>
-          <a:off x="447235" y="1622582"/>
-          <a:ext cx="11293211" cy="3461195"/>
-        </p:xfrm>
-        <a:graphic>
-          <a:graphicData uri="http://schemas.openxmlformats.org/drawingml/2006/table">
-            <a:tbl>
-              <a:tblPr firstRow="1" bandRow="1">
-                <a:noFill/>
-                <a:tableStyleId>{5C22544A-7EE6-4342-B048-85BDC9FD1C3A}</a:tableStyleId>
-              </a:tblPr>
-              <a:tblGrid>
-                <a:gridCol w="1344172">
-                  <a:extLst>
-                    <a:ext uri="{9D8B030D-6E8A-4147-A177-3AD203B41FA5}">
-                      <a16:colId xmlns:a16="http://schemas.microsoft.com/office/drawing/2014/main" val="3708765425"/>
-                    </a:ext>
-                  </a:extLst>
-                </a:gridCol>
-                <a:gridCol w="1403990">
-                  <a:extLst>
-                    <a:ext uri="{9D8B030D-6E8A-4147-A177-3AD203B41FA5}">
-                      <a16:colId xmlns:a16="http://schemas.microsoft.com/office/drawing/2014/main" val="2109332857"/>
-                    </a:ext>
-                  </a:extLst>
-                </a:gridCol>
-                <a:gridCol w="4342813">
-                  <a:extLst>
-                    <a:ext uri="{9D8B030D-6E8A-4147-A177-3AD203B41FA5}">
-                      <a16:colId xmlns:a16="http://schemas.microsoft.com/office/drawing/2014/main" val="3517663388"/>
-                    </a:ext>
-                  </a:extLst>
-                </a:gridCol>
-                <a:gridCol w="3288686">
-                  <a:extLst>
-                    <a:ext uri="{9D8B030D-6E8A-4147-A177-3AD203B41FA5}">
-                      <a16:colId xmlns:a16="http://schemas.microsoft.com/office/drawing/2014/main" val="2313192479"/>
-                    </a:ext>
-                  </a:extLst>
-                </a:gridCol>
-                <a:gridCol w="913550">
-                  <a:extLst>
-                    <a:ext uri="{9D8B030D-6E8A-4147-A177-3AD203B41FA5}">
-                      <a16:colId xmlns:a16="http://schemas.microsoft.com/office/drawing/2014/main" val="2491495000"/>
-                    </a:ext>
-                  </a:extLst>
-                </a:gridCol>
-              </a:tblGrid>
-              <a:tr h="671961">
-                <a:tc>
-                  <a:txBody>
-                    <a:bodyPr/>
-                    <a:lstStyle/>
-                    <a:p>
-                      <a:r>
-                        <a:rPr lang="en-US" sz="1300" b="1" dirty="0">
-                          <a:solidFill>
-                            <a:srgbClr val="FFFFFF"/>
-                          </a:solidFill>
-                        </a:rPr>
-                        <a:t> Story ID</a:t>
-                      </a:r>
-                    </a:p>
-                  </a:txBody>
-                  <a:tcPr marL="190146" marR="114087" marT="114087" marB="114087">
-                    <a:lnL w="38100" cap="flat" cmpd="sng" algn="ctr">
-                      <a:noFill/>
-                      <a:prstDash val="solid"/>
-                    </a:lnL>
-                    <a:lnR w="38100" cap="flat" cmpd="sng" algn="ctr">
-                      <a:solidFill>
-                        <a:srgbClr val="FFFFFF"/>
-                      </a:solidFill>
-                      <a:prstDash val="solid"/>
-                    </a:lnR>
-                    <a:lnT w="38100" cap="flat" cmpd="sng" algn="ctr">
-                      <a:noFill/>
-                      <a:prstDash val="solid"/>
-                    </a:lnT>
-                    <a:lnB w="38100" cap="flat" cmpd="sng" algn="ctr">
-                      <a:solidFill>
-                        <a:srgbClr val="FFFFFF"/>
-                      </a:solidFill>
-                      <a:prstDash val="solid"/>
-                    </a:lnB>
-                    <a:solidFill>
-                      <a:srgbClr val="636B68">
-                        <a:alpha val="69804"/>
-                      </a:srgbClr>
-                    </a:solidFill>
-                  </a:tcPr>
-                </a:tc>
-                <a:tc>
-                  <a:txBody>
-                    <a:bodyPr/>
-                    <a:lstStyle/>
-                    <a:p>
-                      <a:r>
-                        <a:rPr lang="en-US" sz="1300" b="1" dirty="0">
-                          <a:solidFill>
-                            <a:srgbClr val="FFFFFF"/>
-                          </a:solidFill>
-                        </a:rPr>
-                        <a:t>User type</a:t>
-                      </a:r>
-                    </a:p>
-                  </a:txBody>
-                  <a:tcPr marL="190146" marR="114087" marT="114087" marB="114087">
-                    <a:lnL w="38100" cap="flat" cmpd="sng" algn="ctr">
-                      <a:solidFill>
-                        <a:srgbClr val="FFFFFF"/>
-                      </a:solidFill>
-                      <a:prstDash val="solid"/>
-                      <a:round/>
-                      <a:headEnd type="none" w="med" len="med"/>
-                      <a:tailEnd type="none" w="med" len="med"/>
-                    </a:lnL>
-                    <a:lnR w="38100" cap="flat" cmpd="sng" algn="ctr">
-                      <a:solidFill>
-                        <a:srgbClr val="FFFFFF"/>
-                      </a:solidFill>
-                      <a:prstDash val="solid"/>
-                    </a:lnR>
-                    <a:lnT w="38100" cap="flat" cmpd="sng" algn="ctr">
-                      <a:noFill/>
-                      <a:prstDash val="solid"/>
-                    </a:lnT>
-                    <a:lnB w="38100" cap="flat" cmpd="sng" algn="ctr">
-                      <a:solidFill>
-                        <a:srgbClr val="FFFFFF"/>
-                      </a:solidFill>
-                      <a:prstDash val="solid"/>
-                      <a:round/>
-                      <a:headEnd type="none" w="med" len="med"/>
-                      <a:tailEnd type="none" w="med" len="med"/>
-                    </a:lnB>
-                    <a:solidFill>
-                      <a:srgbClr val="636B68">
-                        <a:alpha val="69804"/>
-                      </a:srgbClr>
-                    </a:solidFill>
-                  </a:tcPr>
-                </a:tc>
-                <a:tc>
-                  <a:txBody>
-                    <a:bodyPr/>
-                    <a:lstStyle/>
-                    <a:p>
-                      <a:r>
-                        <a:rPr lang="en-US" sz="1300" b="1" dirty="0">
-                          <a:solidFill>
-                            <a:srgbClr val="FFFFFF"/>
-                          </a:solidFill>
-                        </a:rPr>
-                        <a:t>I want be able to …                                    </a:t>
-                      </a:r>
-                    </a:p>
-                  </a:txBody>
-                  <a:tcPr marL="190146" marR="114087" marT="114087" marB="114087">
-                    <a:lnL w="38100" cap="flat" cmpd="sng" algn="ctr">
-                      <a:solidFill>
-                        <a:srgbClr val="FFFFFF"/>
-                      </a:solidFill>
-                      <a:prstDash val="solid"/>
-                    </a:lnL>
-                    <a:lnR w="38100" cap="flat" cmpd="sng" algn="ctr">
-                      <a:solidFill>
-                        <a:srgbClr val="FFFFFF"/>
-                      </a:solidFill>
-                      <a:prstDash val="solid"/>
-                    </a:lnR>
-                    <a:lnT w="38100" cap="flat" cmpd="sng" algn="ctr">
-                      <a:noFill/>
-                      <a:prstDash val="solid"/>
-                    </a:lnT>
-                    <a:lnB w="38100" cap="flat" cmpd="sng" algn="ctr">
-                      <a:solidFill>
-                        <a:srgbClr val="FFFFFF"/>
-                      </a:solidFill>
-                      <a:prstDash val="solid"/>
-                    </a:lnB>
-                    <a:solidFill>
-                      <a:srgbClr val="636B68">
-                        <a:alpha val="69804"/>
-                      </a:srgbClr>
-                    </a:solidFill>
-                  </a:tcPr>
-                </a:tc>
-                <a:tc>
-                  <a:txBody>
-                    <a:bodyPr/>
-                    <a:lstStyle/>
-                    <a:p>
-                      <a:r>
-                        <a:rPr lang="en-US" sz="1300" b="1">
-                          <a:solidFill>
-                            <a:srgbClr val="FFFFFF"/>
-                          </a:solidFill>
-                        </a:rPr>
-                        <a:t>So that…</a:t>
-                      </a:r>
-                    </a:p>
-                  </a:txBody>
-                  <a:tcPr marL="190146" marR="114087" marT="114087" marB="114087">
-                    <a:lnL w="38100" cap="flat" cmpd="sng" algn="ctr">
-                      <a:solidFill>
-                        <a:srgbClr val="FFFFFF"/>
-                      </a:solidFill>
-                      <a:prstDash val="solid"/>
-                    </a:lnL>
-                    <a:lnR w="38100" cap="flat" cmpd="sng" algn="ctr">
-                      <a:solidFill>
-                        <a:srgbClr val="FFFFFF"/>
-                      </a:solidFill>
-                      <a:prstDash val="solid"/>
-                    </a:lnR>
-                    <a:lnT w="38100" cap="flat" cmpd="sng" algn="ctr">
-                      <a:noFill/>
-                      <a:prstDash val="solid"/>
-                    </a:lnT>
-                    <a:lnB w="38100" cap="flat" cmpd="sng" algn="ctr">
-                      <a:solidFill>
-                        <a:srgbClr val="FFFFFF"/>
-                      </a:solidFill>
-                      <a:prstDash val="solid"/>
-                    </a:lnB>
-                    <a:solidFill>
-                      <a:srgbClr val="636B68">
-                        <a:alpha val="69804"/>
-                      </a:srgbClr>
-                    </a:solidFill>
-                  </a:tcPr>
-                </a:tc>
-                <a:tc>
-                  <a:txBody>
-                    <a:bodyPr/>
-                    <a:lstStyle/>
-                    <a:p>
-                      <a:r>
-                        <a:rPr lang="en-US" sz="1300" b="1" dirty="0">
-                          <a:solidFill>
-                            <a:srgbClr val="FFFFFF"/>
-                          </a:solidFill>
-                        </a:rPr>
-                        <a:t>status</a:t>
-                      </a:r>
-                    </a:p>
-                  </a:txBody>
-                  <a:tcPr marL="190146" marR="114087" marT="114087" marB="114087">
-                    <a:lnL w="38100" cap="flat" cmpd="sng" algn="ctr">
-                      <a:solidFill>
-                        <a:srgbClr val="FFFFFF"/>
-                      </a:solidFill>
-                      <a:prstDash val="solid"/>
-                    </a:lnL>
-                    <a:lnR w="38100" cap="flat" cmpd="sng" algn="ctr">
-                      <a:solidFill>
-                        <a:srgbClr val="FFFFFF"/>
-                      </a:solidFill>
-                      <a:prstDash val="solid"/>
-                    </a:lnR>
-                    <a:lnT w="38100" cap="flat" cmpd="sng" algn="ctr">
-                      <a:noFill/>
-                      <a:prstDash val="solid"/>
-                    </a:lnT>
-                    <a:lnB w="38100" cap="flat" cmpd="sng" algn="ctr">
-                      <a:solidFill>
-                        <a:srgbClr val="FFFFFF"/>
-                      </a:solidFill>
-                      <a:prstDash val="solid"/>
-                    </a:lnB>
-                    <a:solidFill>
-                      <a:srgbClr val="636B68">
-                        <a:alpha val="69804"/>
-                      </a:srgbClr>
-                    </a:solidFill>
-                  </a:tcPr>
-                </a:tc>
-                <a:extLst>
-                  <a:ext uri="{0D108BD9-81ED-4DB2-BD59-A6C34878D82A}">
-                    <a16:rowId xmlns:a16="http://schemas.microsoft.com/office/drawing/2014/main" val="3757320132"/>
-                  </a:ext>
-                </a:extLst>
-              </a:tr>
-              <a:tr h="1005762">
-                <a:tc>
-                  <a:txBody>
-                    <a:bodyPr/>
-                    <a:lstStyle/>
-                    <a:p>
-                      <a:r>
-                        <a:rPr lang="en-US" sz="1600" dirty="0">
-                          <a:solidFill>
-                            <a:schemeClr val="tx1">
-                              <a:lumMod val="85000"/>
-                              <a:lumOff val="15000"/>
-                            </a:schemeClr>
-                          </a:solidFill>
-                        </a:rPr>
-                        <a:t>23</a:t>
-                      </a:r>
-                    </a:p>
-                  </a:txBody>
-                  <a:tcPr marL="190146" marR="114087" marT="114087" marB="114087">
-                    <a:lnL w="38100" cap="flat" cmpd="sng" algn="ctr">
-                      <a:noFill/>
-                      <a:prstDash val="solid"/>
-                    </a:lnL>
-                    <a:lnR w="38100" cap="flat" cmpd="sng" algn="ctr">
-                      <a:solidFill>
-                        <a:srgbClr val="FFFFFF"/>
-                      </a:solidFill>
-                      <a:prstDash val="solid"/>
-                    </a:lnR>
-                    <a:lnT w="38100" cap="flat" cmpd="sng" algn="ctr">
-                      <a:solidFill>
-                        <a:srgbClr val="FFFFFF"/>
-                      </a:solidFill>
-                      <a:prstDash val="solid"/>
-                    </a:lnT>
-                    <a:lnB w="38100" cap="flat" cmpd="sng" algn="ctr">
-                      <a:solidFill>
-                        <a:srgbClr val="FFFFFF"/>
-                      </a:solidFill>
-                      <a:prstDash val="solid"/>
-                    </a:lnB>
-                    <a:solidFill>
-                      <a:srgbClr val="878E8B">
-                        <a:alpha val="14902"/>
-                      </a:srgbClr>
-                    </a:solidFill>
-                  </a:tcPr>
-                </a:tc>
-                <a:tc>
-                  <a:txBody>
-                    <a:bodyPr/>
-                    <a:lstStyle/>
-                    <a:p>
-                      <a:r>
-                        <a:rPr lang="en-US" sz="1600" dirty="0">
-                          <a:solidFill>
-                            <a:schemeClr val="tx1">
-                              <a:lumMod val="85000"/>
-                              <a:lumOff val="15000"/>
-                            </a:schemeClr>
-                          </a:solidFill>
-                        </a:rPr>
-                        <a:t>Admin</a:t>
-                      </a:r>
-                    </a:p>
-                  </a:txBody>
-                  <a:tcPr marL="190146" marR="114087" marT="114087" marB="114087">
-                    <a:lnL w="38100" cap="flat" cmpd="sng" algn="ctr">
-                      <a:solidFill>
-                        <a:srgbClr val="FFFFFF"/>
-                      </a:solidFill>
-                      <a:prstDash val="solid"/>
-                      <a:round/>
-                      <a:headEnd type="none" w="med" len="med"/>
-                      <a:tailEnd type="none" w="med" len="med"/>
-                    </a:lnL>
-                    <a:lnR w="38100" cap="flat" cmpd="sng" algn="ctr">
-                      <a:solidFill>
-                        <a:srgbClr val="FFFFFF"/>
-                      </a:solidFill>
-                      <a:prstDash val="solid"/>
-                    </a:lnR>
-                    <a:lnT w="38100" cap="flat" cmpd="sng" algn="ctr">
-                      <a:solidFill>
-                        <a:srgbClr val="FFFFFF"/>
-                      </a:solidFill>
-                      <a:prstDash val="solid"/>
-                      <a:round/>
-                      <a:headEnd type="none" w="med" len="med"/>
-                      <a:tailEnd type="none" w="med" len="med"/>
-                    </a:lnT>
-                    <a:lnB w="38100" cap="flat" cmpd="sng" algn="ctr">
-                      <a:solidFill>
-                        <a:srgbClr val="FFFFFF"/>
-                      </a:solidFill>
-                      <a:prstDash val="solid"/>
-                      <a:round/>
-                      <a:headEnd type="none" w="med" len="med"/>
-                      <a:tailEnd type="none" w="med" len="med"/>
-                    </a:lnB>
-                    <a:solidFill>
-                      <a:srgbClr val="878E8B">
-                        <a:alpha val="14902"/>
-                      </a:srgbClr>
-                    </a:solidFill>
-                  </a:tcPr>
-                </a:tc>
-                <a:tc>
-                  <a:txBody>
-                    <a:bodyPr/>
-                    <a:lstStyle/>
-                    <a:p>
-                      <a:pPr marL="0" marR="0" lvl="0" indent="0" algn="l" defTabSz="457200" rtl="0" eaLnBrk="1" fontAlgn="auto" latinLnBrk="0" hangingPunct="1">
-                        <a:lnSpc>
-                          <a:spcPct val="100000"/>
-                        </a:lnSpc>
-                        <a:spcBef>
-                          <a:spcPts val="0"/>
-                        </a:spcBef>
-                        <a:spcAft>
-                          <a:spcPts val="0"/>
-                        </a:spcAft>
-                        <a:buClrTx/>
-                        <a:buSzTx/>
-                        <a:buFontTx/>
-                        <a:buNone/>
-                        <a:tabLst/>
-                        <a:defRPr/>
-                      </a:pPr>
-                      <a:r>
-                        <a:rPr lang="en-US" sz="1400" dirty="0"/>
-                        <a:t>Change user’s info as needed</a:t>
-                      </a:r>
-                    </a:p>
-                    <a:p>
-                      <a:pPr marL="0" marR="0" lvl="0" indent="0" algn="l" defTabSz="457200" rtl="0" eaLnBrk="1" fontAlgn="auto" latinLnBrk="0" hangingPunct="1">
-                        <a:lnSpc>
-                          <a:spcPct val="100000"/>
-                        </a:lnSpc>
-                        <a:spcBef>
-                          <a:spcPts val="0"/>
-                        </a:spcBef>
-                        <a:spcAft>
-                          <a:spcPts val="0"/>
-                        </a:spcAft>
-                        <a:buClrTx/>
-                        <a:buSzTx/>
-                        <a:buFontTx/>
-                        <a:buNone/>
-                        <a:tabLst/>
-                        <a:defRPr/>
-                      </a:pPr>
-                      <a:r>
-                        <a:rPr lang="en-US" sz="1400" dirty="0"/>
-                        <a:t>Tasks include:</a:t>
-                      </a:r>
-                    </a:p>
-                    <a:p>
-                      <a:pPr marL="0" marR="0" lvl="0" indent="0" algn="l" defTabSz="457200" rtl="0" eaLnBrk="1" fontAlgn="auto" latinLnBrk="0" hangingPunct="1">
-                        <a:lnSpc>
-                          <a:spcPct val="100000"/>
-                        </a:lnSpc>
-                        <a:spcBef>
-                          <a:spcPts val="0"/>
-                        </a:spcBef>
-                        <a:spcAft>
-                          <a:spcPts val="0"/>
-                        </a:spcAft>
-                        <a:buClrTx/>
-                        <a:buSzTx/>
-                        <a:buFontTx/>
-                        <a:buNone/>
-                        <a:tabLst/>
-                        <a:defRPr/>
-                      </a:pPr>
-                      <a:r>
-                        <a:rPr lang="en-US" sz="1400" dirty="0"/>
-                        <a:t> -Build API for update users</a:t>
-                      </a:r>
-                    </a:p>
-                    <a:p>
-                      <a:pPr marL="0" marR="0" lvl="0" indent="0" algn="l" defTabSz="457200" rtl="0" eaLnBrk="1" fontAlgn="auto" latinLnBrk="0" hangingPunct="1">
-                        <a:lnSpc>
-                          <a:spcPct val="100000"/>
-                        </a:lnSpc>
-                        <a:spcBef>
-                          <a:spcPts val="0"/>
-                        </a:spcBef>
-                        <a:spcAft>
-                          <a:spcPts val="0"/>
-                        </a:spcAft>
-                        <a:buClrTx/>
-                        <a:buSzTx/>
-                        <a:buFontTx/>
-                        <a:buNone/>
-                        <a:tabLst/>
-                        <a:defRPr/>
-                      </a:pPr>
-                      <a:r>
-                        <a:rPr lang="en-US" sz="1400" dirty="0"/>
-                        <a:t> -Create edit screen UI</a:t>
-                      </a:r>
-                    </a:p>
-                    <a:p>
-                      <a:endParaRPr lang="en-US" sz="1300" dirty="0">
-                        <a:solidFill>
-                          <a:schemeClr val="tx1">
-                            <a:lumMod val="85000"/>
-                            <a:lumOff val="15000"/>
-                          </a:schemeClr>
-                        </a:solidFill>
-                      </a:endParaRPr>
-                    </a:p>
-                  </a:txBody>
-                  <a:tcPr marL="190146" marR="114087" marT="114087" marB="114087">
-                    <a:lnL w="38100" cap="flat" cmpd="sng" algn="ctr">
-                      <a:solidFill>
-                        <a:srgbClr val="FFFFFF"/>
-                      </a:solidFill>
-                      <a:prstDash val="solid"/>
-                    </a:lnL>
-                    <a:lnR w="38100" cap="flat" cmpd="sng" algn="ctr">
-                      <a:solidFill>
-                        <a:srgbClr val="FFFFFF"/>
-                      </a:solidFill>
-                      <a:prstDash val="solid"/>
-                    </a:lnR>
-                    <a:lnT w="38100" cap="flat" cmpd="sng" algn="ctr">
-                      <a:solidFill>
-                        <a:srgbClr val="FFFFFF"/>
-                      </a:solidFill>
-                      <a:prstDash val="solid"/>
-                    </a:lnT>
-                    <a:lnB w="38100" cap="flat" cmpd="sng" algn="ctr">
-                      <a:solidFill>
-                        <a:srgbClr val="FFFFFF"/>
-                      </a:solidFill>
-                      <a:prstDash val="solid"/>
-                    </a:lnB>
-                    <a:solidFill>
-                      <a:srgbClr val="878E8B">
-                        <a:alpha val="14902"/>
-                      </a:srgbClr>
-                    </a:solidFill>
-                  </a:tcPr>
-                </a:tc>
-                <a:tc>
-                  <a:txBody>
-                    <a:bodyPr/>
-                    <a:lstStyle/>
-                    <a:p>
-                      <a:r>
-                        <a:rPr lang="en-US" sz="1600" dirty="0">
-                          <a:solidFill>
-                            <a:schemeClr val="tx1">
-                              <a:lumMod val="85000"/>
-                              <a:lumOff val="15000"/>
-                            </a:schemeClr>
-                          </a:solidFill>
-                        </a:rPr>
-                        <a:t>I can list product for sale as a user</a:t>
-                      </a:r>
-                    </a:p>
-                  </a:txBody>
-                  <a:tcPr marL="190146" marR="114087" marT="114087" marB="114087">
-                    <a:lnL w="38100" cap="flat" cmpd="sng" algn="ctr">
-                      <a:solidFill>
-                        <a:srgbClr val="FFFFFF"/>
-                      </a:solidFill>
-                      <a:prstDash val="solid"/>
-                    </a:lnL>
-                    <a:lnR w="38100" cap="flat" cmpd="sng" algn="ctr">
-                      <a:solidFill>
-                        <a:srgbClr val="FFFFFF"/>
-                      </a:solidFill>
-                      <a:prstDash val="solid"/>
-                    </a:lnR>
-                    <a:lnT w="38100" cap="flat" cmpd="sng" algn="ctr">
-                      <a:solidFill>
-                        <a:srgbClr val="FFFFFF"/>
-                      </a:solidFill>
-                      <a:prstDash val="solid"/>
-                    </a:lnT>
-                    <a:lnB w="38100" cap="flat" cmpd="sng" algn="ctr">
-                      <a:solidFill>
-                        <a:srgbClr val="FFFFFF"/>
-                      </a:solidFill>
-                      <a:prstDash val="solid"/>
-                    </a:lnB>
-                    <a:solidFill>
-                      <a:srgbClr val="878E8B">
-                        <a:alpha val="14902"/>
-                      </a:srgbClr>
-                    </a:solidFill>
-                  </a:tcPr>
-                </a:tc>
-                <a:tc>
-                  <a:txBody>
-                    <a:bodyPr/>
-                    <a:lstStyle/>
-                    <a:p>
-                      <a:r>
-                        <a:rPr lang="en-US" sz="1600" dirty="0">
-                          <a:solidFill>
-                            <a:schemeClr val="tx1">
-                              <a:lumMod val="85000"/>
-                              <a:lumOff val="15000"/>
-                            </a:schemeClr>
-                          </a:solidFill>
-                        </a:rPr>
-                        <a:t>Done</a:t>
-                      </a:r>
-                    </a:p>
-                  </a:txBody>
-                  <a:tcPr marL="190146" marR="114087" marT="114087" marB="114087">
-                    <a:lnL w="38100" cap="flat" cmpd="sng" algn="ctr">
-                      <a:solidFill>
-                        <a:srgbClr val="FFFFFF"/>
-                      </a:solidFill>
-                      <a:prstDash val="solid"/>
-                    </a:lnL>
-                    <a:lnR w="38100" cap="flat" cmpd="sng" algn="ctr">
-                      <a:solidFill>
-                        <a:srgbClr val="FFFFFF"/>
-                      </a:solidFill>
-                      <a:prstDash val="solid"/>
-                    </a:lnR>
-                    <a:lnT w="38100" cap="flat" cmpd="sng" algn="ctr">
-                      <a:solidFill>
-                        <a:srgbClr val="FFFFFF"/>
-                      </a:solidFill>
-                      <a:prstDash val="solid"/>
-                    </a:lnT>
-                    <a:lnB w="38100" cap="flat" cmpd="sng" algn="ctr">
-                      <a:solidFill>
-                        <a:srgbClr val="FFFFFF"/>
-                      </a:solidFill>
-                      <a:prstDash val="solid"/>
-                    </a:lnB>
-                    <a:solidFill>
-                      <a:srgbClr val="878E8B">
-                        <a:alpha val="14902"/>
-                      </a:srgbClr>
-                    </a:solidFill>
-                  </a:tcPr>
-                </a:tc>
-                <a:extLst>
-                  <a:ext uri="{0D108BD9-81ED-4DB2-BD59-A6C34878D82A}">
-                    <a16:rowId xmlns:a16="http://schemas.microsoft.com/office/drawing/2014/main" val="35295328"/>
-                  </a:ext>
-                </a:extLst>
-              </a:tr>
-              <a:tr h="725516">
-                <a:tc>
-                  <a:txBody>
-                    <a:bodyPr/>
-                    <a:lstStyle/>
-                    <a:p>
-                      <a:r>
-                        <a:rPr lang="en-US" sz="1600" dirty="0">
-                          <a:solidFill>
-                            <a:schemeClr val="tx1">
-                              <a:lumMod val="85000"/>
-                              <a:lumOff val="15000"/>
-                            </a:schemeClr>
-                          </a:solidFill>
-                        </a:rPr>
-                        <a:t>24</a:t>
-                      </a:r>
-                    </a:p>
-                  </a:txBody>
-                  <a:tcPr marL="190146" marR="114087" marT="114087" marB="114087">
-                    <a:lnL w="12700" cmpd="sng">
-                      <a:noFill/>
-                      <a:prstDash val="solid"/>
-                    </a:lnL>
-                    <a:lnR w="38100" cap="flat" cmpd="sng" algn="ctr">
-                      <a:solidFill>
-                        <a:srgbClr val="FFFFFF"/>
-                      </a:solidFill>
-                      <a:prstDash val="solid"/>
-                    </a:lnR>
-                    <a:lnT w="38100" cap="flat" cmpd="sng" algn="ctr">
-                      <a:solidFill>
-                        <a:srgbClr val="FFFFFF"/>
-                      </a:solidFill>
-                      <a:prstDash val="solid"/>
-                    </a:lnT>
-                    <a:lnB w="38100" cap="flat" cmpd="sng" algn="ctr">
-                      <a:solidFill>
-                        <a:srgbClr val="FFFFFF"/>
-                      </a:solidFill>
-                      <a:prstDash val="solid"/>
-                    </a:lnB>
-                    <a:solidFill>
-                      <a:srgbClr val="878E8B">
-                        <a:alpha val="30196"/>
-                      </a:srgbClr>
-                    </a:solidFill>
-                  </a:tcPr>
-                </a:tc>
-                <a:tc>
-                  <a:txBody>
-                    <a:bodyPr/>
-                    <a:lstStyle/>
-                    <a:p>
-                      <a:r>
-                        <a:rPr lang="en-US" sz="1600" dirty="0">
-                          <a:solidFill>
-                            <a:schemeClr val="tx1">
-                              <a:lumMod val="85000"/>
-                              <a:lumOff val="15000"/>
-                            </a:schemeClr>
-                          </a:solidFill>
-                        </a:rPr>
-                        <a:t>Seller</a:t>
-                      </a:r>
-                    </a:p>
-                  </a:txBody>
-                  <a:tcPr marL="190146" marR="114087" marT="114087" marB="114087">
-                    <a:lnL w="38100" cap="flat" cmpd="sng" algn="ctr">
-                      <a:solidFill>
-                        <a:srgbClr val="FFFFFF"/>
-                      </a:solidFill>
-                      <a:prstDash val="solid"/>
-                      <a:round/>
-                      <a:headEnd type="none" w="med" len="med"/>
-                      <a:tailEnd type="none" w="med" len="med"/>
-                    </a:lnL>
-                    <a:lnR w="38100" cap="flat" cmpd="sng" algn="ctr">
-                      <a:solidFill>
-                        <a:srgbClr val="FFFFFF"/>
-                      </a:solidFill>
-                      <a:prstDash val="solid"/>
-                    </a:lnR>
-                    <a:lnT w="38100" cap="flat" cmpd="sng" algn="ctr">
-                      <a:solidFill>
-                        <a:srgbClr val="FFFFFF"/>
-                      </a:solidFill>
-                      <a:prstDash val="solid"/>
-                      <a:round/>
-                      <a:headEnd type="none" w="med" len="med"/>
-                      <a:tailEnd type="none" w="med" len="med"/>
-                    </a:lnT>
-                    <a:lnB w="38100" cap="flat" cmpd="sng" algn="ctr">
-                      <a:solidFill>
-                        <a:srgbClr val="FFFFFF"/>
-                      </a:solidFill>
-                      <a:prstDash val="solid"/>
-                      <a:round/>
-                      <a:headEnd type="none" w="med" len="med"/>
-                      <a:tailEnd type="none" w="med" len="med"/>
-                    </a:lnB>
-                    <a:solidFill>
-                      <a:srgbClr val="878E8B">
-                        <a:alpha val="30196"/>
-                      </a:srgbClr>
-                    </a:solidFill>
-                  </a:tcPr>
-                </a:tc>
-                <a:tc>
-                  <a:txBody>
-                    <a:bodyPr/>
-                    <a:lstStyle/>
-                    <a:p>
-                      <a:r>
-                        <a:rPr lang="en-US" sz="1600" dirty="0">
-                          <a:solidFill>
-                            <a:schemeClr val="tx1">
-                              <a:lumMod val="85000"/>
-                              <a:lumOff val="15000"/>
-                            </a:schemeClr>
-                          </a:solidFill>
-                        </a:rPr>
-                        <a:t>Have a seller page</a:t>
-                      </a:r>
-                    </a:p>
-                  </a:txBody>
-                  <a:tcPr marL="190146" marR="114087" marT="114087" marB="114087">
-                    <a:lnL w="38100" cap="flat" cmpd="sng" algn="ctr">
-                      <a:solidFill>
-                        <a:srgbClr val="FFFFFF"/>
-                      </a:solidFill>
-                      <a:prstDash val="solid"/>
-                    </a:lnL>
-                    <a:lnR w="38100" cap="flat" cmpd="sng" algn="ctr">
-                      <a:solidFill>
-                        <a:srgbClr val="FFFFFF"/>
-                      </a:solidFill>
-                      <a:prstDash val="solid"/>
-                    </a:lnR>
-                    <a:lnT w="38100" cap="flat" cmpd="sng" algn="ctr">
-                      <a:solidFill>
-                        <a:srgbClr val="FFFFFF"/>
-                      </a:solidFill>
-                      <a:prstDash val="solid"/>
-                    </a:lnT>
-                    <a:lnB w="38100" cap="flat" cmpd="sng" algn="ctr">
-                      <a:solidFill>
-                        <a:srgbClr val="FFFFFF"/>
-                      </a:solidFill>
-                      <a:prstDash val="solid"/>
-                    </a:lnB>
-                    <a:solidFill>
-                      <a:srgbClr val="878E8B">
-                        <a:alpha val="30196"/>
-                      </a:srgbClr>
-                    </a:solidFill>
-                  </a:tcPr>
-                </a:tc>
-                <a:tc>
-                  <a:txBody>
-                    <a:bodyPr/>
-                    <a:lstStyle/>
-                    <a:p>
-                      <a:r>
-                        <a:rPr lang="en-US" sz="1600" dirty="0">
-                          <a:solidFill>
-                            <a:schemeClr val="tx1">
-                              <a:lumMod val="85000"/>
-                              <a:lumOff val="15000"/>
-                            </a:schemeClr>
-                          </a:solidFill>
-                        </a:rPr>
-                        <a:t>User can now become seller</a:t>
-                      </a:r>
-                    </a:p>
-                  </a:txBody>
-                  <a:tcPr marL="190146" marR="114087" marT="114087" marB="114087">
-                    <a:lnL w="38100" cap="flat" cmpd="sng" algn="ctr">
-                      <a:solidFill>
-                        <a:srgbClr val="FFFFFF"/>
-                      </a:solidFill>
-                      <a:prstDash val="solid"/>
-                    </a:lnL>
-                    <a:lnR w="38100" cap="flat" cmpd="sng" algn="ctr">
-                      <a:solidFill>
-                        <a:srgbClr val="FFFFFF"/>
-                      </a:solidFill>
-                      <a:prstDash val="solid"/>
-                    </a:lnR>
-                    <a:lnT w="38100" cap="flat" cmpd="sng" algn="ctr">
-                      <a:solidFill>
-                        <a:srgbClr val="FFFFFF"/>
-                      </a:solidFill>
-                      <a:prstDash val="solid"/>
-                    </a:lnT>
-                    <a:lnB w="38100" cap="flat" cmpd="sng" algn="ctr">
-                      <a:solidFill>
-                        <a:srgbClr val="FFFFFF"/>
-                      </a:solidFill>
-                      <a:prstDash val="solid"/>
-                    </a:lnB>
-                    <a:solidFill>
-                      <a:srgbClr val="878E8B">
-                        <a:alpha val="30196"/>
-                      </a:srgbClr>
-                    </a:solidFill>
-                  </a:tcPr>
-                </a:tc>
-                <a:tc>
-                  <a:txBody>
-                    <a:bodyPr/>
-                    <a:lstStyle/>
-                    <a:p>
-                      <a:r>
-                        <a:rPr lang="en-US" sz="1600" dirty="0">
-                          <a:solidFill>
-                            <a:schemeClr val="tx1">
-                              <a:lumMod val="85000"/>
-                              <a:lumOff val="15000"/>
-                            </a:schemeClr>
-                          </a:solidFill>
-                        </a:rPr>
-                        <a:t>Skip</a:t>
-                      </a:r>
-                    </a:p>
-                  </a:txBody>
-                  <a:tcPr marL="190146" marR="114087" marT="114087" marB="114087">
-                    <a:lnL w="38100" cap="flat" cmpd="sng" algn="ctr">
-                      <a:solidFill>
-                        <a:srgbClr val="FFFFFF"/>
-                      </a:solidFill>
-                      <a:prstDash val="solid"/>
-                    </a:lnL>
-                    <a:lnR w="38100" cap="flat" cmpd="sng" algn="ctr">
-                      <a:solidFill>
-                        <a:srgbClr val="FFFFFF"/>
-                      </a:solidFill>
-                      <a:prstDash val="solid"/>
-                    </a:lnR>
-                    <a:lnT w="38100" cap="flat" cmpd="sng" algn="ctr">
-                      <a:solidFill>
-                        <a:srgbClr val="FFFFFF"/>
-                      </a:solidFill>
-                      <a:prstDash val="solid"/>
-                    </a:lnT>
-                    <a:lnB w="38100" cap="flat" cmpd="sng" algn="ctr">
-                      <a:solidFill>
-                        <a:srgbClr val="FFFFFF"/>
-                      </a:solidFill>
-                      <a:prstDash val="solid"/>
-                    </a:lnB>
-                    <a:solidFill>
-                      <a:srgbClr val="878E8B">
-                        <a:alpha val="30196"/>
-                      </a:srgbClr>
-                    </a:solidFill>
-                  </a:tcPr>
-                </a:tc>
-                <a:extLst>
-                  <a:ext uri="{0D108BD9-81ED-4DB2-BD59-A6C34878D82A}">
-                    <a16:rowId xmlns:a16="http://schemas.microsoft.com/office/drawing/2014/main" val="1974414750"/>
-                  </a:ext>
-                </a:extLst>
-              </a:tr>
-              <a:tr h="783984">
-                <a:tc>
-                  <a:txBody>
-                    <a:bodyPr/>
-                    <a:lstStyle/>
-                    <a:p>
-                      <a:r>
-                        <a:rPr lang="en-US" sz="1600" dirty="0">
-                          <a:solidFill>
-                            <a:schemeClr val="tx1">
-                              <a:lumMod val="85000"/>
-                              <a:lumOff val="15000"/>
-                            </a:schemeClr>
-                          </a:solidFill>
-                        </a:rPr>
-                        <a:t>25</a:t>
-                      </a:r>
-                    </a:p>
-                  </a:txBody>
-                  <a:tcPr marL="190146" marR="114087" marT="114087" marB="114087">
-                    <a:lnL w="38100" cap="flat" cmpd="sng" algn="ctr">
-                      <a:noFill/>
-                      <a:prstDash val="solid"/>
-                    </a:lnL>
-                    <a:lnR w="38100" cap="flat" cmpd="sng" algn="ctr">
-                      <a:solidFill>
-                        <a:srgbClr val="FFFFFF"/>
-                      </a:solidFill>
-                      <a:prstDash val="solid"/>
-                    </a:lnR>
-                    <a:lnT w="38100" cap="flat" cmpd="sng" algn="ctr">
-                      <a:solidFill>
-                        <a:srgbClr val="FFFFFF"/>
-                      </a:solidFill>
-                      <a:prstDash val="solid"/>
-                    </a:lnT>
-                    <a:lnB w="38100" cap="flat" cmpd="sng" algn="ctr">
-                      <a:solidFill>
-                        <a:srgbClr val="FFFFFF"/>
-                      </a:solidFill>
-                      <a:prstDash val="solid"/>
-                    </a:lnB>
-                    <a:solidFill>
-                      <a:srgbClr val="878E8B">
-                        <a:alpha val="14902"/>
-                      </a:srgbClr>
-                    </a:solidFill>
-                  </a:tcPr>
-                </a:tc>
-                <a:tc>
-                  <a:txBody>
-                    <a:bodyPr/>
-                    <a:lstStyle/>
-                    <a:p>
-                      <a:endParaRPr lang="en-US" sz="1300" dirty="0">
-                        <a:solidFill>
-                          <a:schemeClr val="tx1">
-                            <a:lumMod val="85000"/>
-                            <a:lumOff val="15000"/>
-                          </a:schemeClr>
-                        </a:solidFill>
-                      </a:endParaRPr>
-                    </a:p>
-                  </a:txBody>
-                  <a:tcPr marL="190146" marR="114087" marT="114087" marB="114087">
-                    <a:lnL w="38100" cap="flat" cmpd="sng" algn="ctr">
-                      <a:solidFill>
-                        <a:srgbClr val="FFFFFF"/>
-                      </a:solidFill>
-                      <a:prstDash val="solid"/>
-                      <a:round/>
-                      <a:headEnd type="none" w="med" len="med"/>
-                      <a:tailEnd type="none" w="med" len="med"/>
-                    </a:lnL>
-                    <a:lnR w="38100" cap="flat" cmpd="sng" algn="ctr">
-                      <a:solidFill>
-                        <a:srgbClr val="FFFFFF"/>
-                      </a:solidFill>
-                      <a:prstDash val="solid"/>
-                    </a:lnR>
-                    <a:lnT w="38100" cap="flat" cmpd="sng" algn="ctr">
-                      <a:solidFill>
-                        <a:srgbClr val="FFFFFF"/>
-                      </a:solidFill>
-                      <a:prstDash val="solid"/>
-                      <a:round/>
-                      <a:headEnd type="none" w="med" len="med"/>
-                      <a:tailEnd type="none" w="med" len="med"/>
-                    </a:lnT>
-                    <a:lnB w="38100" cap="flat" cmpd="sng" algn="ctr">
-                      <a:solidFill>
-                        <a:srgbClr val="FFFFFF"/>
-                      </a:solidFill>
-                      <a:prstDash val="solid"/>
-                      <a:round/>
-                      <a:headEnd type="none" w="med" len="med"/>
-                      <a:tailEnd type="none" w="med" len="med"/>
-                    </a:lnB>
-                    <a:solidFill>
-                      <a:srgbClr val="878E8B">
-                        <a:alpha val="14902"/>
-                      </a:srgbClr>
-                    </a:solidFill>
-                  </a:tcPr>
-                </a:tc>
-                <a:tc>
-                  <a:txBody>
-                    <a:bodyPr/>
-                    <a:lstStyle/>
-                    <a:p>
-                      <a:r>
-                        <a:rPr lang="en-US" sz="1600" dirty="0">
-                          <a:solidFill>
-                            <a:schemeClr val="tx1">
-                              <a:lumMod val="85000"/>
-                              <a:lumOff val="15000"/>
-                            </a:schemeClr>
-                          </a:solidFill>
-                        </a:rPr>
-                        <a:t>Deploy Website</a:t>
-                      </a:r>
-                    </a:p>
-                  </a:txBody>
-                  <a:tcPr marL="190146" marR="114087" marT="114087" marB="114087">
-                    <a:lnL w="38100" cap="flat" cmpd="sng" algn="ctr">
-                      <a:solidFill>
-                        <a:srgbClr val="FFFFFF"/>
-                      </a:solidFill>
-                      <a:prstDash val="solid"/>
-                    </a:lnL>
-                    <a:lnR w="38100" cap="flat" cmpd="sng" algn="ctr">
-                      <a:solidFill>
-                        <a:srgbClr val="FFFFFF"/>
-                      </a:solidFill>
-                      <a:prstDash val="solid"/>
-                    </a:lnR>
-                    <a:lnT w="38100" cap="flat" cmpd="sng" algn="ctr">
-                      <a:solidFill>
-                        <a:srgbClr val="FFFFFF"/>
-                      </a:solidFill>
-                      <a:prstDash val="solid"/>
-                    </a:lnT>
-                    <a:lnB w="38100" cap="flat" cmpd="sng" algn="ctr">
-                      <a:solidFill>
-                        <a:srgbClr val="FFFFFF"/>
-                      </a:solidFill>
-                      <a:prstDash val="solid"/>
-                    </a:lnB>
-                    <a:solidFill>
-                      <a:srgbClr val="878E8B">
-                        <a:alpha val="14902"/>
-                      </a:srgbClr>
-                    </a:solidFill>
-                  </a:tcPr>
-                </a:tc>
-                <a:tc>
-                  <a:txBody>
-                    <a:bodyPr/>
-                    <a:lstStyle/>
-                    <a:p>
-                      <a:r>
-                        <a:rPr lang="en-US" sz="1600" dirty="0">
-                          <a:solidFill>
-                            <a:schemeClr val="tx1">
-                              <a:lumMod val="85000"/>
-                              <a:lumOff val="15000"/>
-                            </a:schemeClr>
-                          </a:solidFill>
-                        </a:rPr>
-                        <a:t>Website is officially good to use</a:t>
-                      </a:r>
-                    </a:p>
-                  </a:txBody>
-                  <a:tcPr marL="190146" marR="114087" marT="114087" marB="114087">
-                    <a:lnL w="38100" cap="flat" cmpd="sng" algn="ctr">
-                      <a:solidFill>
-                        <a:srgbClr val="FFFFFF"/>
-                      </a:solidFill>
-                      <a:prstDash val="solid"/>
-                    </a:lnL>
-                    <a:lnR w="38100" cap="flat" cmpd="sng" algn="ctr">
-                      <a:solidFill>
-                        <a:srgbClr val="FFFFFF"/>
-                      </a:solidFill>
-                      <a:prstDash val="solid"/>
-                    </a:lnR>
-                    <a:lnT w="38100" cap="flat" cmpd="sng" algn="ctr">
-                      <a:solidFill>
-                        <a:srgbClr val="FFFFFF"/>
-                      </a:solidFill>
-                      <a:prstDash val="solid"/>
-                    </a:lnT>
-                    <a:lnB w="38100" cap="flat" cmpd="sng" algn="ctr">
-                      <a:solidFill>
-                        <a:srgbClr val="FFFFFF"/>
-                      </a:solidFill>
-                      <a:prstDash val="solid"/>
-                    </a:lnB>
-                    <a:solidFill>
-                      <a:srgbClr val="878E8B">
-                        <a:alpha val="14902"/>
-                      </a:srgbClr>
-                    </a:solidFill>
-                  </a:tcPr>
-                </a:tc>
-                <a:tc>
-                  <a:txBody>
-                    <a:bodyPr/>
-                    <a:lstStyle/>
-                    <a:p>
-                      <a:r>
-                        <a:rPr lang="en-US" sz="1600" dirty="0">
-                          <a:solidFill>
-                            <a:schemeClr val="tx1">
-                              <a:lumMod val="85000"/>
-                              <a:lumOff val="15000"/>
-                            </a:schemeClr>
-                          </a:solidFill>
-                        </a:rPr>
-                        <a:t>Fail</a:t>
-                      </a:r>
-                    </a:p>
-                  </a:txBody>
-                  <a:tcPr marL="190146" marR="114087" marT="114087" marB="114087">
-                    <a:lnL w="38100" cap="flat" cmpd="sng" algn="ctr">
-                      <a:solidFill>
-                        <a:srgbClr val="FFFFFF"/>
-                      </a:solidFill>
-                      <a:prstDash val="solid"/>
-                    </a:lnL>
-                    <a:lnR w="38100" cap="flat" cmpd="sng" algn="ctr">
-                      <a:solidFill>
-                        <a:srgbClr val="FFFFFF"/>
-                      </a:solidFill>
-                      <a:prstDash val="solid"/>
-                    </a:lnR>
-                    <a:lnT w="38100" cap="flat" cmpd="sng" algn="ctr">
-                      <a:solidFill>
-                        <a:srgbClr val="FFFFFF"/>
-                      </a:solidFill>
-                      <a:prstDash val="solid"/>
-                    </a:lnT>
-                    <a:lnB w="38100" cap="flat" cmpd="sng" algn="ctr">
-                      <a:solidFill>
-                        <a:srgbClr val="FFFFFF"/>
-                      </a:solidFill>
-                      <a:prstDash val="solid"/>
-                    </a:lnB>
-                    <a:solidFill>
-                      <a:srgbClr val="878E8B">
-                        <a:alpha val="14902"/>
-                      </a:srgbClr>
-                    </a:solidFill>
-                  </a:tcPr>
-                </a:tc>
-                <a:extLst>
-                  <a:ext uri="{0D108BD9-81ED-4DB2-BD59-A6C34878D82A}">
-                    <a16:rowId xmlns:a16="http://schemas.microsoft.com/office/drawing/2014/main" val="4078892272"/>
-                  </a:ext>
-                </a:extLst>
-              </a:tr>
-            </a:tbl>
-          </a:graphicData>
-        </a:graphic>
-      </p:graphicFrame>
-      <p:sp>
-        <p:nvSpPr>
-          <p:cNvPr id="5" name="TextBox 4">
-            <a:extLst>
-              <a:ext uri="{FF2B5EF4-FFF2-40B4-BE49-F238E27FC236}">
-                <a16:creationId xmlns:a16="http://schemas.microsoft.com/office/drawing/2014/main" id="{37C4B692-6A2B-454C-84D1-8C133C58B741}"/>
-              </a:ext>
-            </a:extLst>
-          </p:cNvPr>
-          <p:cNvSpPr txBox="1"/>
-          <p:nvPr/>
-        </p:nvSpPr>
-        <p:spPr>
-          <a:xfrm>
-            <a:off x="514892" y="5195695"/>
-            <a:ext cx="6249971" cy="369332"/>
-          </a:xfrm>
-          <a:prstGeom prst="rect">
-            <a:avLst/>
-          </a:prstGeom>
-          <a:noFill/>
-        </p:spPr>
-        <p:txBody>
-          <a:bodyPr wrap="square" rtlCol="0">
-            <a:spAutoFit/>
-          </a:bodyPr>
-          <a:lstStyle/>
-          <a:p>
-            <a:r>
-              <a:rPr lang="en-US" dirty="0"/>
-              <a:t>1 out of 3 user stories completed.  ( 33% of the commitment )</a:t>
-            </a:r>
-          </a:p>
-        </p:txBody>
-      </p:sp>
-      <p:sp>
-        <p:nvSpPr>
-          <p:cNvPr id="2" name="TextBox 1">
-            <a:extLst>
-              <a:ext uri="{FF2B5EF4-FFF2-40B4-BE49-F238E27FC236}">
-                <a16:creationId xmlns:a16="http://schemas.microsoft.com/office/drawing/2014/main" id="{E52BCF93-B8AE-47E2-8C4B-F55F8BD51B42}"/>
-              </a:ext>
-            </a:extLst>
-          </p:cNvPr>
-          <p:cNvSpPr txBox="1"/>
-          <p:nvPr/>
-        </p:nvSpPr>
-        <p:spPr>
-          <a:xfrm>
-            <a:off x="514892" y="1136733"/>
-            <a:ext cx="1164101" cy="461665"/>
-          </a:xfrm>
-          <a:prstGeom prst="rect">
-            <a:avLst/>
-          </a:prstGeom>
-          <a:noFill/>
-        </p:spPr>
-        <p:txBody>
-          <a:bodyPr wrap="none" rtlCol="0">
-            <a:spAutoFit/>
-          </a:bodyPr>
-          <a:lstStyle/>
-          <a:p>
-            <a:r>
-              <a:rPr lang="en-US" sz="2400" u="sng" dirty="0"/>
-              <a:t>Sprint 8</a:t>
-            </a:r>
-          </a:p>
-        </p:txBody>
-      </p:sp>
       <p:sp>
         <p:nvSpPr>
           <p:cNvPr id="11" name="TextBox 10">
@@ -8753,6 +7497,208 @@
                 </a:solidFill>
               </a:rPr>
               <a:t>Comparison: Sprint 7 vs 8                                                                                  Sprint 8</a:t>
+            </a:r>
+          </a:p>
+        </p:txBody>
+      </p:sp>
+      <p:sp>
+        <p:nvSpPr>
+          <p:cNvPr id="12" name="Rectangle 11">
+            <a:extLst>
+              <a:ext uri="{FF2B5EF4-FFF2-40B4-BE49-F238E27FC236}">
+                <a16:creationId xmlns:a16="http://schemas.microsoft.com/office/drawing/2014/main" id="{C0092F8F-97AC-46FF-977F-7256B6B7BA8C}"/>
+              </a:ext>
+            </a:extLst>
+          </p:cNvPr>
+          <p:cNvSpPr/>
+          <p:nvPr/>
+        </p:nvSpPr>
+        <p:spPr>
+          <a:xfrm>
+            <a:off x="449102" y="1552397"/>
+            <a:ext cx="11293913" cy="3531380"/>
+          </a:xfrm>
+          <a:prstGeom prst="rect">
+            <a:avLst/>
+          </a:prstGeom>
+          <a:solidFill>
+            <a:schemeClr val="bg1">
+              <a:lumMod val="85000"/>
+            </a:schemeClr>
+          </a:solidFill>
+          <a:ln>
+            <a:solidFill>
+              <a:schemeClr val="bg1"/>
+            </a:solidFill>
+          </a:ln>
+        </p:spPr>
+        <p:style>
+          <a:lnRef idx="2">
+            <a:schemeClr val="accent1">
+              <a:shade val="50000"/>
+            </a:schemeClr>
+          </a:lnRef>
+          <a:fillRef idx="1">
+            <a:schemeClr val="accent1"/>
+          </a:fillRef>
+          <a:effectRef idx="0">
+            <a:schemeClr val="accent1"/>
+          </a:effectRef>
+          <a:fontRef idx="minor">
+            <a:schemeClr val="lt1"/>
+          </a:fontRef>
+        </p:style>
+        <p:txBody>
+          <a:bodyPr rtlCol="0" anchor="ctr"/>
+          <a:lstStyle/>
+          <a:p>
+            <a:pPr algn="ctr"/>
+            <a:endParaRPr lang="en-US" dirty="0"/>
+          </a:p>
+        </p:txBody>
+      </p:sp>
+      <p:sp>
+        <p:nvSpPr>
+          <p:cNvPr id="13" name="TextBox 12">
+            <a:extLst>
+              <a:ext uri="{FF2B5EF4-FFF2-40B4-BE49-F238E27FC236}">
+                <a16:creationId xmlns:a16="http://schemas.microsoft.com/office/drawing/2014/main" id="{0A76B02B-1290-4380-99FF-7116006A8D19}"/>
+              </a:ext>
+            </a:extLst>
+          </p:cNvPr>
+          <p:cNvSpPr txBox="1"/>
+          <p:nvPr/>
+        </p:nvSpPr>
+        <p:spPr>
+          <a:xfrm>
+            <a:off x="819364" y="1724664"/>
+            <a:ext cx="6097712" cy="3231654"/>
+          </a:xfrm>
+          <a:prstGeom prst="rect">
+            <a:avLst/>
+          </a:prstGeom>
+          <a:noFill/>
+        </p:spPr>
+        <p:txBody>
+          <a:bodyPr wrap="square">
+            <a:spAutoFit/>
+          </a:bodyPr>
+          <a:lstStyle/>
+          <a:p>
+            <a:r>
+              <a:rPr lang="en-US" sz="2400" u="sng" cap="none" dirty="0">
+                <a:solidFill>
+                  <a:schemeClr val="tx1">
+                    <a:lumMod val="85000"/>
+                    <a:lumOff val="15000"/>
+                  </a:schemeClr>
+                </a:solidFill>
+              </a:rPr>
+              <a:t>Sprint 8</a:t>
+            </a:r>
+          </a:p>
+          <a:p>
+            <a:pPr marL="285750" indent="-285750">
+              <a:buFont typeface="Arial" panose="020B0604020202020204" pitchFamily="34" charset="0"/>
+              <a:buChar char="•"/>
+            </a:pPr>
+            <a:r>
+              <a:rPr lang="en-US" sz="1800" cap="none" dirty="0">
+                <a:solidFill>
+                  <a:schemeClr val="tx1">
+                    <a:lumMod val="85000"/>
+                    <a:lumOff val="15000"/>
+                  </a:schemeClr>
+                </a:solidFill>
+              </a:rPr>
+              <a:t>The Edit </a:t>
+            </a:r>
+            <a:r>
+              <a:rPr lang="en-US" dirty="0">
+                <a:solidFill>
+                  <a:schemeClr val="tx1">
+                    <a:lumMod val="85000"/>
+                    <a:lumOff val="15000"/>
+                  </a:schemeClr>
+                </a:solidFill>
+              </a:rPr>
+              <a:t>User function carried over </a:t>
+            </a:r>
+            <a:r>
+              <a:rPr lang="en-US" sz="1800" cap="none" dirty="0">
+                <a:solidFill>
+                  <a:schemeClr val="tx1">
+                    <a:lumMod val="85000"/>
+                    <a:lumOff val="15000"/>
+                  </a:schemeClr>
+                </a:solidFill>
+              </a:rPr>
+              <a:t>from sprint 7 was completed. So now an Admin can change a User’s info as needed.</a:t>
+            </a:r>
+          </a:p>
+          <a:p>
+            <a:pPr marL="285750" indent="-285750">
+              <a:buFont typeface="Arial" panose="020B0604020202020204" pitchFamily="34" charset="0"/>
+              <a:buChar char="•"/>
+            </a:pPr>
+            <a:r>
+              <a:rPr lang="en-US" sz="1800" cap="none" dirty="0">
+                <a:solidFill>
+                  <a:schemeClr val="tx1">
+                    <a:lumMod val="85000"/>
+                    <a:lumOff val="15000"/>
+                  </a:schemeClr>
+                </a:solidFill>
+              </a:rPr>
+              <a:t>Seller Page was not implemented. The story was skipped due to time constraints.</a:t>
+            </a:r>
+          </a:p>
+          <a:p>
+            <a:pPr marL="285750" indent="-285750">
+              <a:buFont typeface="Arial" panose="020B0604020202020204" pitchFamily="34" charset="0"/>
+              <a:buChar char="•"/>
+            </a:pPr>
+            <a:r>
+              <a:rPr lang="en-US" sz="1800" cap="none" dirty="0">
+                <a:solidFill>
+                  <a:schemeClr val="tx1">
+                    <a:lumMod val="85000"/>
+                    <a:lumOff val="15000"/>
+                  </a:schemeClr>
+                </a:solidFill>
+              </a:rPr>
+              <a:t>The deployment of the website was not carried out due to [?].</a:t>
+            </a:r>
+          </a:p>
+          <a:p>
+            <a:pPr marL="285750" indent="-285750">
+              <a:buFont typeface="Arial" panose="020B0604020202020204" pitchFamily="34" charset="0"/>
+              <a:buChar char="•"/>
+            </a:pPr>
+            <a:endParaRPr lang="en-US" sz="1800" cap="none" dirty="0">
+              <a:solidFill>
+                <a:schemeClr val="tx1">
+                  <a:lumMod val="85000"/>
+                  <a:lumOff val="15000"/>
+                </a:schemeClr>
+              </a:solidFill>
+            </a:endParaRPr>
+          </a:p>
+          <a:p>
+            <a:pPr marL="285750" indent="-285750">
+              <a:buFont typeface="Arial" panose="020B0604020202020204" pitchFamily="34" charset="0"/>
+              <a:buChar char="•"/>
+            </a:pPr>
+            <a:r>
+              <a:rPr lang="en-US" sz="1800" cap="none" dirty="0">
+                <a:solidFill>
+                  <a:schemeClr val="tx1">
+                    <a:lumMod val="85000"/>
+                    <a:lumOff val="15000"/>
+                  </a:schemeClr>
+                </a:solidFill>
+              </a:rPr>
+              <a:t>Our team complete 1 user stories out of 3.  ( 33% of the commitment )</a:t>
             </a:r>
           </a:p>
         </p:txBody>
@@ -21948,8 +20894,8 @@
         </p:nvSpPr>
         <p:spPr>
           <a:xfrm>
-            <a:off x="829638" y="1967092"/>
-            <a:ext cx="6097712" cy="2677656"/>
+            <a:off x="829638" y="1840759"/>
+            <a:ext cx="6097712" cy="2954655"/>
           </a:xfrm>
           <a:prstGeom prst="rect">
             <a:avLst/>
@@ -22024,6 +20970,20 @@
               </a:rPr>
               <a:t>Code optimization was done so the deployment process can be easier. </a:t>
             </a:r>
+          </a:p>
+          <a:p>
+            <a:pPr marL="285750" indent="-285750">
+              <a:buFont typeface="Arial" panose="020B0604020202020204" pitchFamily="34" charset="0"/>
+              <a:buChar char="•"/>
+            </a:pPr>
+            <a:endParaRPr lang="en-US" sz="1800" cap="none" dirty="0">
+              <a:solidFill>
+                <a:schemeClr val="tx1">
+                  <a:lumMod val="85000"/>
+                  <a:lumOff val="15000"/>
+                </a:schemeClr>
+              </a:solidFill>
+            </a:endParaRPr>
           </a:p>
           <a:p>
             <a:pPr marL="285750" indent="-285750">

--- a/Deliverable8/PCBuilder Web Application Sprint 8.pptx
+++ b/Deliverable8/PCBuilder Web Application Sprint 8.pptx
@@ -4936,7 +4936,7 @@
           <a:p>
             <a:fld id="{36145044-682F-4173-987C-0A0926376C86}" type="datetimeFigureOut">
               <a:rPr lang="en-US" smtClean="0"/>
-              <a:t>4/27/2021</a:t>
+              <a:t>4/29/2021</a:t>
             </a:fld>
             <a:endParaRPr lang="en-US"/>
           </a:p>
@@ -5610,7 +5610,7 @@
           <a:p>
             <a:fld id="{ED291B17-9318-49DB-B28B-6E5994AE9581}" type="datetime1">
               <a:rPr lang="en-US" smtClean="0"/>
-              <a:t>4/27/2021</a:t>
+              <a:t>4/29/2021</a:t>
             </a:fld>
             <a:endParaRPr lang="en-US" dirty="0"/>
           </a:p>
@@ -5836,7 +5836,7 @@
           <a:p>
             <a:fld id="{ED291B17-9318-49DB-B28B-6E5994AE9581}" type="datetime1">
               <a:rPr lang="en-US" smtClean="0"/>
-              <a:t>4/27/2021</a:t>
+              <a:t>4/29/2021</a:t>
             </a:fld>
             <a:endParaRPr lang="en-US" dirty="0"/>
           </a:p>
@@ -7667,7 +7667,7 @@
                   </a:schemeClr>
                 </a:solidFill>
               </a:rPr>
-              <a:t>The deployment of the website was not carried out due to [?].</a:t>
+              <a:t>The deployment of the website was not carried out due to Heroku failure.</a:t>
             </a:r>
           </a:p>
           <a:p>
@@ -7698,7 +7698,7 @@
                   </a:schemeClr>
                 </a:solidFill>
               </a:rPr>
-              <a:t>Our team complete 1 user stories out of 3.  ( 33% of the commitment )</a:t>
+              <a:t>Our team completed 1 user story out of 3.  ( 33% of the commitment )</a:t>
             </a:r>
           </a:p>
         </p:txBody>
@@ -9813,6 +9813,120 @@
           </a:p>
         </p:txBody>
       </p:sp>
+      <p:cxnSp>
+        <p:nvCxnSpPr>
+          <p:cNvPr id="4" name="Straight Connector 3">
+            <a:extLst>
+              <a:ext uri="{FF2B5EF4-FFF2-40B4-BE49-F238E27FC236}">
+                <a16:creationId xmlns:a16="http://schemas.microsoft.com/office/drawing/2014/main" id="{D74DD8C8-93EF-4F45-9337-472EF7B24715}"/>
+              </a:ext>
+            </a:extLst>
+          </p:cNvPr>
+          <p:cNvCxnSpPr>
+            <a:cxnSpLocks/>
+          </p:cNvCxnSpPr>
+          <p:nvPr/>
+        </p:nvCxnSpPr>
+        <p:spPr>
+          <a:xfrm>
+            <a:off x="290146" y="1960685"/>
+            <a:ext cx="11614639" cy="0"/>
+          </a:xfrm>
+          <a:prstGeom prst="line">
+            <a:avLst/>
+          </a:prstGeom>
+        </p:spPr>
+        <p:style>
+          <a:lnRef idx="2">
+            <a:schemeClr val="accent1"/>
+          </a:lnRef>
+          <a:fillRef idx="0">
+            <a:schemeClr val="accent1"/>
+          </a:fillRef>
+          <a:effectRef idx="1">
+            <a:schemeClr val="accent1"/>
+          </a:effectRef>
+          <a:fontRef idx="minor">
+            <a:schemeClr val="tx1"/>
+          </a:fontRef>
+        </p:style>
+      </p:cxnSp>
+      <p:cxnSp>
+        <p:nvCxnSpPr>
+          <p:cNvPr id="14" name="Straight Connector 13">
+            <a:extLst>
+              <a:ext uri="{FF2B5EF4-FFF2-40B4-BE49-F238E27FC236}">
+                <a16:creationId xmlns:a16="http://schemas.microsoft.com/office/drawing/2014/main" id="{F3D5CA25-313A-4076-BF87-5ED27F9B292B}"/>
+              </a:ext>
+            </a:extLst>
+          </p:cNvPr>
+          <p:cNvCxnSpPr>
+            <a:cxnSpLocks/>
+          </p:cNvCxnSpPr>
+          <p:nvPr/>
+        </p:nvCxnSpPr>
+        <p:spPr>
+          <a:xfrm>
+            <a:off x="288680" y="3748455"/>
+            <a:ext cx="11614639" cy="0"/>
+          </a:xfrm>
+          <a:prstGeom prst="line">
+            <a:avLst/>
+          </a:prstGeom>
+        </p:spPr>
+        <p:style>
+          <a:lnRef idx="2">
+            <a:schemeClr val="accent1"/>
+          </a:lnRef>
+          <a:fillRef idx="0">
+            <a:schemeClr val="accent1"/>
+          </a:fillRef>
+          <a:effectRef idx="1">
+            <a:schemeClr val="accent1"/>
+          </a:effectRef>
+          <a:fontRef idx="minor">
+            <a:schemeClr val="tx1"/>
+          </a:fontRef>
+        </p:style>
+      </p:cxnSp>
+      <p:cxnSp>
+        <p:nvCxnSpPr>
+          <p:cNvPr id="15" name="Straight Connector 14">
+            <a:extLst>
+              <a:ext uri="{FF2B5EF4-FFF2-40B4-BE49-F238E27FC236}">
+                <a16:creationId xmlns:a16="http://schemas.microsoft.com/office/drawing/2014/main" id="{F0FCE160-F97F-4E06-B948-68BF20A5FB9A}"/>
+              </a:ext>
+            </a:extLst>
+          </p:cNvPr>
+          <p:cNvCxnSpPr>
+            <a:cxnSpLocks/>
+          </p:cNvCxnSpPr>
+          <p:nvPr/>
+        </p:nvCxnSpPr>
+        <p:spPr>
+          <a:xfrm>
+            <a:off x="288680" y="5480538"/>
+            <a:ext cx="11614639" cy="0"/>
+          </a:xfrm>
+          <a:prstGeom prst="line">
+            <a:avLst/>
+          </a:prstGeom>
+        </p:spPr>
+        <p:style>
+          <a:lnRef idx="2">
+            <a:schemeClr val="accent1"/>
+          </a:lnRef>
+          <a:fillRef idx="0">
+            <a:schemeClr val="accent1"/>
+          </a:fillRef>
+          <a:effectRef idx="1">
+            <a:schemeClr val="accent1"/>
+          </a:effectRef>
+          <a:fontRef idx="minor">
+            <a:schemeClr val="tx1"/>
+          </a:fontRef>
+        </p:style>
+      </p:cxnSp>
     </p:spTree>
     <p:extLst>
       <p:ext uri="{BB962C8B-B14F-4D97-AF65-F5344CB8AC3E}">
@@ -11734,6 +11848,120 @@
           </a:p>
         </p:txBody>
       </p:sp>
+      <p:cxnSp>
+        <p:nvCxnSpPr>
+          <p:cNvPr id="9" name="Straight Connector 8">
+            <a:extLst>
+              <a:ext uri="{FF2B5EF4-FFF2-40B4-BE49-F238E27FC236}">
+                <a16:creationId xmlns:a16="http://schemas.microsoft.com/office/drawing/2014/main" id="{2785ADEF-1979-4530-9E84-222B14A46F52}"/>
+              </a:ext>
+            </a:extLst>
+          </p:cNvPr>
+          <p:cNvCxnSpPr>
+            <a:cxnSpLocks/>
+          </p:cNvCxnSpPr>
+          <p:nvPr/>
+        </p:nvCxnSpPr>
+        <p:spPr>
+          <a:xfrm>
+            <a:off x="288680" y="2013439"/>
+            <a:ext cx="11614639" cy="0"/>
+          </a:xfrm>
+          <a:prstGeom prst="line">
+            <a:avLst/>
+          </a:prstGeom>
+        </p:spPr>
+        <p:style>
+          <a:lnRef idx="2">
+            <a:schemeClr val="accent1"/>
+          </a:lnRef>
+          <a:fillRef idx="0">
+            <a:schemeClr val="accent1"/>
+          </a:fillRef>
+          <a:effectRef idx="1">
+            <a:schemeClr val="accent1"/>
+          </a:effectRef>
+          <a:fontRef idx="minor">
+            <a:schemeClr val="tx1"/>
+          </a:fontRef>
+        </p:style>
+      </p:cxnSp>
+      <p:cxnSp>
+        <p:nvCxnSpPr>
+          <p:cNvPr id="11" name="Straight Connector 10">
+            <a:extLst>
+              <a:ext uri="{FF2B5EF4-FFF2-40B4-BE49-F238E27FC236}">
+                <a16:creationId xmlns:a16="http://schemas.microsoft.com/office/drawing/2014/main" id="{FAF0C49A-B040-4A09-8DDA-58CFDD72D219}"/>
+              </a:ext>
+            </a:extLst>
+          </p:cNvPr>
+          <p:cNvCxnSpPr>
+            <a:cxnSpLocks/>
+          </p:cNvCxnSpPr>
+          <p:nvPr/>
+        </p:nvCxnSpPr>
+        <p:spPr>
+          <a:xfrm>
+            <a:off x="288680" y="2910254"/>
+            <a:ext cx="11614639" cy="0"/>
+          </a:xfrm>
+          <a:prstGeom prst="line">
+            <a:avLst/>
+          </a:prstGeom>
+        </p:spPr>
+        <p:style>
+          <a:lnRef idx="2">
+            <a:schemeClr val="accent1"/>
+          </a:lnRef>
+          <a:fillRef idx="0">
+            <a:schemeClr val="accent1"/>
+          </a:fillRef>
+          <a:effectRef idx="1">
+            <a:schemeClr val="accent1"/>
+          </a:effectRef>
+          <a:fontRef idx="minor">
+            <a:schemeClr val="tx1"/>
+          </a:fontRef>
+        </p:style>
+      </p:cxnSp>
+      <p:cxnSp>
+        <p:nvCxnSpPr>
+          <p:cNvPr id="13" name="Straight Connector 12">
+            <a:extLst>
+              <a:ext uri="{FF2B5EF4-FFF2-40B4-BE49-F238E27FC236}">
+                <a16:creationId xmlns:a16="http://schemas.microsoft.com/office/drawing/2014/main" id="{99348B71-6B0B-4DED-8C80-5D80985B8C3E}"/>
+              </a:ext>
+            </a:extLst>
+          </p:cNvPr>
+          <p:cNvCxnSpPr>
+            <a:cxnSpLocks/>
+          </p:cNvCxnSpPr>
+          <p:nvPr/>
+        </p:nvCxnSpPr>
+        <p:spPr>
+          <a:xfrm>
+            <a:off x="288680" y="5573486"/>
+            <a:ext cx="11614639" cy="0"/>
+          </a:xfrm>
+          <a:prstGeom prst="line">
+            <a:avLst/>
+          </a:prstGeom>
+        </p:spPr>
+        <p:style>
+          <a:lnRef idx="2">
+            <a:schemeClr val="accent1"/>
+          </a:lnRef>
+          <a:fillRef idx="0">
+            <a:schemeClr val="accent1"/>
+          </a:fillRef>
+          <a:effectRef idx="1">
+            <a:schemeClr val="accent1"/>
+          </a:effectRef>
+          <a:fontRef idx="minor">
+            <a:schemeClr val="tx1"/>
+          </a:fontRef>
+        </p:style>
+      </p:cxnSp>
     </p:spTree>
     <p:extLst>
       <p:ext uri="{BB962C8B-B14F-4D97-AF65-F5344CB8AC3E}">
@@ -13496,6 +13724,44 @@
           </a:p>
         </p:txBody>
       </p:sp>
+      <p:cxnSp>
+        <p:nvCxnSpPr>
+          <p:cNvPr id="13" name="Straight Connector 12">
+            <a:extLst>
+              <a:ext uri="{FF2B5EF4-FFF2-40B4-BE49-F238E27FC236}">
+                <a16:creationId xmlns:a16="http://schemas.microsoft.com/office/drawing/2014/main" id="{22A60C00-E1BA-4211-824F-999F31B52AF6}"/>
+              </a:ext>
+            </a:extLst>
+          </p:cNvPr>
+          <p:cNvCxnSpPr>
+            <a:cxnSpLocks/>
+          </p:cNvCxnSpPr>
+          <p:nvPr/>
+        </p:nvCxnSpPr>
+        <p:spPr>
+          <a:xfrm>
+            <a:off x="288680" y="1599363"/>
+            <a:ext cx="11614639" cy="0"/>
+          </a:xfrm>
+          <a:prstGeom prst="line">
+            <a:avLst/>
+          </a:prstGeom>
+        </p:spPr>
+        <p:style>
+          <a:lnRef idx="1">
+            <a:schemeClr val="accent1"/>
+          </a:lnRef>
+          <a:fillRef idx="0">
+            <a:schemeClr val="accent1"/>
+          </a:fillRef>
+          <a:effectRef idx="0">
+            <a:schemeClr val="accent1"/>
+          </a:effectRef>
+          <a:fontRef idx="minor">
+            <a:schemeClr val="tx1"/>
+          </a:fontRef>
+        </p:style>
+      </p:cxnSp>
     </p:spTree>
     <p:extLst>
       <p:ext uri="{BB962C8B-B14F-4D97-AF65-F5344CB8AC3E}">
@@ -20999,7 +21265,7 @@
                   </a:schemeClr>
                 </a:solidFill>
               </a:rPr>
-              <a:t>Our team complete 2 user stories out of 3.  ( 66% of the commitment )</a:t>
+              <a:t>Our team completed 2 user stories out of 3.  ( 66% of the commitment )</a:t>
             </a:r>
           </a:p>
         </p:txBody>
